--- a/COVID-19/presentations/Apresentação final.pptx
+++ b/COVID-19/presentations/Apresentação final.pptx
@@ -208,7 +208,7 @@
           <a:p>
             <a:fld id="{2277750E-4D79-494A-9404-20FAE8D53E3B}" type="datetimeFigureOut">
               <a:rPr lang="en-PT" smtClean="0"/>
-              <a:t>26/05/2020</a:t>
+              <a:t>27/05/2020</a:t>
             </a:fld>
             <a:endParaRPr lang="en-PT"/>
           </a:p>
@@ -1213,7 +1213,7 @@
           <a:p>
             <a:fld id="{6373D9D4-E009-9D41-BC97-6A0F96C1AD3C}" type="datetimeFigureOut">
               <a:rPr lang="en-PT" smtClean="0"/>
-              <a:t>26/05/2020</a:t>
+              <a:t>27/05/2020</a:t>
             </a:fld>
             <a:endParaRPr lang="en-PT"/>
           </a:p>
@@ -1413,7 +1413,7 @@
           <a:p>
             <a:fld id="{6373D9D4-E009-9D41-BC97-6A0F96C1AD3C}" type="datetimeFigureOut">
               <a:rPr lang="en-PT" smtClean="0"/>
-              <a:t>26/05/2020</a:t>
+              <a:t>27/05/2020</a:t>
             </a:fld>
             <a:endParaRPr lang="en-PT"/>
           </a:p>
@@ -1623,7 +1623,7 @@
           <a:p>
             <a:fld id="{6373D9D4-E009-9D41-BC97-6A0F96C1AD3C}" type="datetimeFigureOut">
               <a:rPr lang="en-PT" smtClean="0"/>
-              <a:t>26/05/2020</a:t>
+              <a:t>27/05/2020</a:t>
             </a:fld>
             <a:endParaRPr lang="en-PT"/>
           </a:p>
@@ -1823,7 +1823,7 @@
           <a:p>
             <a:fld id="{6373D9D4-E009-9D41-BC97-6A0F96C1AD3C}" type="datetimeFigureOut">
               <a:rPr lang="en-PT" smtClean="0"/>
-              <a:t>26/05/2020</a:t>
+              <a:t>27/05/2020</a:t>
             </a:fld>
             <a:endParaRPr lang="en-PT"/>
           </a:p>
@@ -2099,7 +2099,7 @@
           <a:p>
             <a:fld id="{6373D9D4-E009-9D41-BC97-6A0F96C1AD3C}" type="datetimeFigureOut">
               <a:rPr lang="en-PT" smtClean="0"/>
-              <a:t>26/05/2020</a:t>
+              <a:t>27/05/2020</a:t>
             </a:fld>
             <a:endParaRPr lang="en-PT"/>
           </a:p>
@@ -2367,7 +2367,7 @@
           <a:p>
             <a:fld id="{6373D9D4-E009-9D41-BC97-6A0F96C1AD3C}" type="datetimeFigureOut">
               <a:rPr lang="en-PT" smtClean="0"/>
-              <a:t>26/05/2020</a:t>
+              <a:t>27/05/2020</a:t>
             </a:fld>
             <a:endParaRPr lang="en-PT"/>
           </a:p>
@@ -2782,7 +2782,7 @@
           <a:p>
             <a:fld id="{6373D9D4-E009-9D41-BC97-6A0F96C1AD3C}" type="datetimeFigureOut">
               <a:rPr lang="en-PT" smtClean="0"/>
-              <a:t>26/05/2020</a:t>
+              <a:t>27/05/2020</a:t>
             </a:fld>
             <a:endParaRPr lang="en-PT"/>
           </a:p>
@@ -2924,7 +2924,7 @@
           <a:p>
             <a:fld id="{6373D9D4-E009-9D41-BC97-6A0F96C1AD3C}" type="datetimeFigureOut">
               <a:rPr lang="en-PT" smtClean="0"/>
-              <a:t>26/05/2020</a:t>
+              <a:t>27/05/2020</a:t>
             </a:fld>
             <a:endParaRPr lang="en-PT"/>
           </a:p>
@@ -3037,7 +3037,7 @@
           <a:p>
             <a:fld id="{6373D9D4-E009-9D41-BC97-6A0F96C1AD3C}" type="datetimeFigureOut">
               <a:rPr lang="en-PT" smtClean="0"/>
-              <a:t>26/05/2020</a:t>
+              <a:t>27/05/2020</a:t>
             </a:fld>
             <a:endParaRPr lang="en-PT"/>
           </a:p>
@@ -3350,7 +3350,7 @@
           <a:p>
             <a:fld id="{6373D9D4-E009-9D41-BC97-6A0F96C1AD3C}" type="datetimeFigureOut">
               <a:rPr lang="en-PT" smtClean="0"/>
-              <a:t>26/05/2020</a:t>
+              <a:t>27/05/2020</a:t>
             </a:fld>
             <a:endParaRPr lang="en-PT"/>
           </a:p>
@@ -3639,7 +3639,7 @@
           <a:p>
             <a:fld id="{6373D9D4-E009-9D41-BC97-6A0F96C1AD3C}" type="datetimeFigureOut">
               <a:rPr lang="en-PT" smtClean="0"/>
-              <a:t>26/05/2020</a:t>
+              <a:t>27/05/2020</a:t>
             </a:fld>
             <a:endParaRPr lang="en-PT"/>
           </a:p>
@@ -3882,7 +3882,7 @@
           <a:p>
             <a:fld id="{6373D9D4-E009-9D41-BC97-6A0F96C1AD3C}" type="datetimeFigureOut">
               <a:rPr lang="en-PT" smtClean="0"/>
-              <a:t>26/05/2020</a:t>
+              <a:t>27/05/2020</a:t>
             </a:fld>
             <a:endParaRPr lang="en-PT"/>
           </a:p>
@@ -8481,7 +8481,7 @@
           <p:nvPr>
             <p:extLst>
               <p:ext uri="{D42A27DB-BD31-4B8C-83A1-F6EECF244321}">
-                <p14:modId xmlns:p14="http://schemas.microsoft.com/office/powerpoint/2010/main" val="2311429714"/>
+                <p14:modId xmlns:p14="http://schemas.microsoft.com/office/powerpoint/2010/main" val="1282525249"/>
               </p:ext>
             </p:extLst>
           </p:nvPr>
@@ -8807,20 +8807,17 @@
                     <a:bodyPr/>
                     <a:lstStyle/>
                     <a:p>
-                      <a:pPr algn="ctr" fontAlgn="b"/>
+                      <a:pPr algn="ctr" rtl="0" fontAlgn="b"/>
                       <a:r>
-                        <a:rPr lang="en-PT" sz="1200" u="none" strike="noStrike" dirty="0">
+                        <a:rPr lang="en-PT" sz="1200" b="0" i="0" u="none" strike="noStrike">
+                          <a:solidFill>
+                            <a:srgbClr val="000000"/>
+                          </a:solidFill>
                           <a:effectLst/>
+                          <a:latin typeface="Calibri" panose="020F0502020204030204" pitchFamily="34" charset="0"/>
                         </a:rPr>
-                        <a:t>0.997900</a:t>
+                        <a:t>0,998</a:t>
                       </a:r>
-                      <a:endParaRPr lang="en-PT" sz="1200" b="0" i="0" u="none" strike="noStrike" dirty="0">
-                        <a:solidFill>
-                          <a:srgbClr val="000000"/>
-                        </a:solidFill>
-                        <a:effectLst/>
-                        <a:latin typeface="Calibri" panose="020F0502020204030204" pitchFamily="34" charset="0"/>
-                      </a:endParaRPr>
                     </a:p>
                   </a:txBody>
                   <a:tcPr marL="9525" marR="9525" marT="9525" marB="0" anchor="b">
@@ -8837,20 +8834,17 @@
                     <a:bodyPr/>
                     <a:lstStyle/>
                     <a:p>
-                      <a:pPr algn="ctr" fontAlgn="b"/>
+                      <a:pPr algn="ctr" rtl="0" fontAlgn="b"/>
                       <a:r>
-                        <a:rPr lang="en-PT" sz="1200" u="none" strike="noStrike" dirty="0">
+                        <a:rPr lang="en-PT" sz="1200" b="0" i="0" u="none" strike="noStrike">
+                          <a:solidFill>
+                            <a:srgbClr val="000000"/>
+                          </a:solidFill>
                           <a:effectLst/>
+                          <a:latin typeface="Calibri" panose="020F0502020204030204" pitchFamily="34" charset="0"/>
                         </a:rPr>
-                        <a:t>0.997000</a:t>
+                        <a:t>0,997</a:t>
                       </a:r>
-                      <a:endParaRPr lang="en-PT" sz="1200" b="0" i="0" u="none" strike="noStrike" dirty="0">
-                        <a:solidFill>
-                          <a:srgbClr val="000000"/>
-                        </a:solidFill>
-                        <a:effectLst/>
-                        <a:latin typeface="Calibri" panose="020F0502020204030204" pitchFamily="34" charset="0"/>
-                      </a:endParaRPr>
                     </a:p>
                   </a:txBody>
                   <a:tcPr marL="9525" marR="9525" marT="9525" marB="0" anchor="b">
@@ -8867,20 +8861,17 @@
                     <a:bodyPr/>
                     <a:lstStyle/>
                     <a:p>
-                      <a:pPr algn="ctr" fontAlgn="b"/>
+                      <a:pPr algn="ctr" rtl="0" fontAlgn="b"/>
                       <a:r>
-                        <a:rPr lang="en-PT" sz="1200" u="none" strike="noStrike" dirty="0">
+                        <a:rPr lang="en-GB" sz="1200" b="0" i="0" u="none" strike="noStrike">
+                          <a:solidFill>
+                            <a:srgbClr val="000000"/>
+                          </a:solidFill>
                           <a:effectLst/>
+                          <a:latin typeface="Calibri" panose="020F0502020204030204" pitchFamily="34" charset="0"/>
                         </a:rPr>
-                        <a:t>5.242625</a:t>
+                        <a:t>5,2E+00</a:t>
                       </a:r>
-                      <a:endParaRPr lang="en-PT" sz="1200" b="0" i="0" u="none" strike="noStrike" dirty="0">
-                        <a:solidFill>
-                          <a:srgbClr val="000000"/>
-                        </a:solidFill>
-                        <a:effectLst/>
-                        <a:latin typeface="Calibri" panose="020F0502020204030204" pitchFamily="34" charset="0"/>
-                      </a:endParaRPr>
                     </a:p>
                   </a:txBody>
                   <a:tcPr marL="9525" marR="9525" marT="9525" marB="0" anchor="b">
@@ -8897,20 +8888,17 @@
                     <a:bodyPr/>
                     <a:lstStyle/>
                     <a:p>
-                      <a:pPr algn="ctr" fontAlgn="b"/>
+                      <a:pPr algn="ctr" rtl="0" fontAlgn="b"/>
                       <a:r>
-                        <a:rPr lang="en-PT" sz="1200" u="none" strike="noStrike" dirty="0">
+                        <a:rPr lang="en-GB" sz="1200" b="0" i="0" u="none" strike="noStrike">
+                          <a:solidFill>
+                            <a:srgbClr val="000000"/>
+                          </a:solidFill>
                           <a:effectLst/>
+                          <a:latin typeface="Calibri" panose="020F0502020204030204" pitchFamily="34" charset="0"/>
                         </a:rPr>
-                        <a:t>0.0001</a:t>
+                        <a:t>1,0E-04</a:t>
                       </a:r>
-                      <a:endParaRPr lang="en-PT" sz="1200" b="0" i="0" u="none" strike="noStrike" dirty="0">
-                        <a:solidFill>
-                          <a:srgbClr val="000000"/>
-                        </a:solidFill>
-                        <a:effectLst/>
-                        <a:latin typeface="Calibri" panose="020F0502020204030204" pitchFamily="34" charset="0"/>
-                      </a:endParaRPr>
                     </a:p>
                   </a:txBody>
                   <a:tcPr marL="9525" marR="9525" marT="9525" marB="0" anchor="b">
@@ -8927,20 +8915,17 @@
                     <a:bodyPr/>
                     <a:lstStyle/>
                     <a:p>
-                      <a:pPr algn="ctr" fontAlgn="b"/>
+                      <a:pPr algn="ctr" rtl="0" fontAlgn="b"/>
                       <a:r>
-                        <a:rPr lang="en-PT" sz="1200" u="none" strike="noStrike" dirty="0">
+                        <a:rPr lang="en-GB" sz="1200" b="0" i="0" u="none" strike="noStrike">
+                          <a:solidFill>
+                            <a:srgbClr val="000000"/>
+                          </a:solidFill>
                           <a:effectLst/>
+                          <a:latin typeface="Calibri" panose="020F0502020204030204" pitchFamily="34" charset="0"/>
                         </a:rPr>
-                        <a:t>13.145825</a:t>
+                        <a:t>1,3E+01</a:t>
                       </a:r>
-                      <a:endParaRPr lang="en-PT" sz="1200" b="0" i="0" u="none" strike="noStrike" dirty="0">
-                        <a:solidFill>
-                          <a:srgbClr val="000000"/>
-                        </a:solidFill>
-                        <a:effectLst/>
-                        <a:latin typeface="Calibri" panose="020F0502020204030204" pitchFamily="34" charset="0"/>
-                      </a:endParaRPr>
                     </a:p>
                   </a:txBody>
                   <a:tcPr marL="9525" marR="9525" marT="9525" marB="0" anchor="b">
@@ -8957,20 +8942,17 @@
                     <a:bodyPr/>
                     <a:lstStyle/>
                     <a:p>
-                      <a:pPr algn="ctr" fontAlgn="b"/>
+                      <a:pPr algn="ctr" rtl="0" fontAlgn="b"/>
                       <a:r>
-                        <a:rPr lang="en-PT" sz="1200" u="none" strike="noStrike" dirty="0">
+                        <a:rPr lang="en-GB" sz="1200" b="0" i="0" u="none" strike="noStrike">
+                          <a:solidFill>
+                            <a:srgbClr val="000000"/>
+                          </a:solidFill>
                           <a:effectLst/>
+                          <a:latin typeface="Calibri" panose="020F0502020204030204" pitchFamily="34" charset="0"/>
                         </a:rPr>
-                        <a:t>0.054175</a:t>
+                        <a:t>5,4E-02</a:t>
                       </a:r>
-                      <a:endParaRPr lang="en-PT" sz="1200" b="0" i="0" u="none" strike="noStrike" dirty="0">
-                        <a:solidFill>
-                          <a:srgbClr val="000000"/>
-                        </a:solidFill>
-                        <a:effectLst/>
-                        <a:latin typeface="Calibri" panose="020F0502020204030204" pitchFamily="34" charset="0"/>
-                      </a:endParaRPr>
                     </a:p>
                   </a:txBody>
                   <a:tcPr marL="9525" marR="9525" marT="9525" marB="0" anchor="b">
@@ -8987,20 +8969,17 @@
                     <a:bodyPr/>
                     <a:lstStyle/>
                     <a:p>
-                      <a:pPr algn="ctr" fontAlgn="b"/>
+                      <a:pPr algn="ctr" rtl="0" fontAlgn="b"/>
                       <a:r>
-                        <a:rPr lang="en-PT" sz="1200" u="none" strike="noStrike" dirty="0">
+                        <a:rPr lang="en-GB" sz="1200" b="0" i="0" u="none" strike="noStrike">
+                          <a:solidFill>
+                            <a:srgbClr val="000000"/>
+                          </a:solidFill>
                           <a:effectLst/>
+                          <a:latin typeface="Calibri" panose="020F0502020204030204" pitchFamily="34" charset="0"/>
                         </a:rPr>
-                        <a:t>0.946175</a:t>
+                        <a:t>9,5E-01</a:t>
                       </a:r>
-                      <a:endParaRPr lang="en-PT" sz="1200" b="0" i="0" u="none" strike="noStrike" dirty="0">
-                        <a:solidFill>
-                          <a:srgbClr val="000000"/>
-                        </a:solidFill>
-                        <a:effectLst/>
-                        <a:latin typeface="Calibri" panose="020F0502020204030204" pitchFamily="34" charset="0"/>
-                      </a:endParaRPr>
                     </a:p>
                   </a:txBody>
                   <a:tcPr marL="9525" marR="9525" marT="9525" marB="0" anchor="b">
@@ -9017,20 +8996,17 @@
                     <a:bodyPr/>
                     <a:lstStyle/>
                     <a:p>
-                      <a:pPr algn="ctr" fontAlgn="b"/>
+                      <a:pPr algn="ctr" rtl="0" fontAlgn="b"/>
                       <a:r>
-                        <a:rPr lang="en-PT" sz="1200" u="none" strike="noStrike" dirty="0">
+                        <a:rPr lang="en-GB" sz="1200" b="0" i="0" u="none" strike="noStrike" dirty="0">
+                          <a:solidFill>
+                            <a:srgbClr val="000000"/>
+                          </a:solidFill>
                           <a:effectLst/>
+                          <a:latin typeface="Calibri" panose="020F0502020204030204" pitchFamily="34" charset="0"/>
                         </a:rPr>
-                        <a:t>0.004300</a:t>
+                        <a:t>4,3E-03</a:t>
                       </a:r>
-                      <a:endParaRPr lang="en-PT" sz="1200" b="0" i="0" u="none" strike="noStrike" dirty="0">
-                        <a:solidFill>
-                          <a:srgbClr val="000000"/>
-                        </a:solidFill>
-                        <a:effectLst/>
-                        <a:latin typeface="Calibri" panose="020F0502020204030204" pitchFamily="34" charset="0"/>
-                      </a:endParaRPr>
                     </a:p>
                   </a:txBody>
                   <a:tcPr marL="9525" marR="9525" marT="9525" marB="0" anchor="b">
@@ -9067,7 +9043,7 @@
           <p:nvPr>
             <p:extLst>
               <p:ext uri="{D42A27DB-BD31-4B8C-83A1-F6EECF244321}">
-                <p14:modId xmlns:p14="http://schemas.microsoft.com/office/powerpoint/2010/main" val="1833964134"/>
+                <p14:modId xmlns:p14="http://schemas.microsoft.com/office/powerpoint/2010/main" val="2492024847"/>
               </p:ext>
             </p:extLst>
           </p:nvPr>
@@ -9393,16 +9369,16 @@
                     <a:bodyPr/>
                     <a:lstStyle/>
                     <a:p>
-                      <a:pPr algn="ctr" fontAlgn="b"/>
+                      <a:pPr algn="ctr" rtl="0" fontAlgn="b"/>
                       <a:r>
-                        <a:rPr lang="en-PT" sz="1200" b="0" i="0" u="none" strike="noStrike" dirty="0">
+                        <a:rPr lang="en-PT" sz="1200" b="0" i="0" u="none" strike="noStrike">
                           <a:solidFill>
                             <a:srgbClr val="000000"/>
                           </a:solidFill>
                           <a:effectLst/>
                           <a:latin typeface="Calibri" panose="020F0502020204030204" pitchFamily="34" charset="0"/>
                         </a:rPr>
-                        <a:t>0.935900</a:t>
+                        <a:t>0,936</a:t>
                       </a:r>
                     </a:p>
                   </a:txBody>
@@ -9420,106 +9396,16 @@
                     <a:bodyPr/>
                     <a:lstStyle/>
                     <a:p>
-                      <a:pPr algn="ctr" fontAlgn="b"/>
+                      <a:pPr algn="ctr" rtl="0" fontAlgn="b"/>
                       <a:r>
-                        <a:rPr lang="en-PT" sz="1200" u="none" strike="noStrike" dirty="0">
-                          <a:effectLst/>
-                        </a:rPr>
-                        <a:t>0.961875</a:t>
-                      </a:r>
-                      <a:endParaRPr lang="en-PT" sz="1200" b="0" i="0" u="none" strike="noStrike" dirty="0">
-                        <a:solidFill>
-                          <a:srgbClr val="000000"/>
-                        </a:solidFill>
-                        <a:effectLst/>
-                        <a:latin typeface="Calibri" panose="020F0502020204030204" pitchFamily="34" charset="0"/>
-                      </a:endParaRPr>
-                    </a:p>
-                  </a:txBody>
-                  <a:tcPr marL="9525" marR="9525" marT="9525" marB="0" anchor="b">
-                    <a:solidFill>
-                      <a:schemeClr val="accent1">
-                        <a:lumMod val="40000"/>
-                        <a:lumOff val="60000"/>
-                      </a:schemeClr>
-                    </a:solidFill>
-                  </a:tcPr>
-                </a:tc>
-                <a:tc>
-                  <a:txBody>
-                    <a:bodyPr/>
-                    <a:lstStyle/>
-                    <a:p>
-                      <a:pPr algn="ctr" fontAlgn="b"/>
-                      <a:r>
-                        <a:rPr lang="en-PT" sz="1200" u="none" strike="noStrike" dirty="0">
-                          <a:effectLst/>
-                        </a:rPr>
-                        <a:t>118.979175</a:t>
-                      </a:r>
-                      <a:endParaRPr lang="en-PT" sz="1200" b="0" i="0" u="none" strike="noStrike" dirty="0">
-                        <a:solidFill>
-                          <a:srgbClr val="000000"/>
-                        </a:solidFill>
-                        <a:effectLst/>
-                        <a:latin typeface="Calibri" panose="020F0502020204030204" pitchFamily="34" charset="0"/>
-                      </a:endParaRPr>
-                    </a:p>
-                  </a:txBody>
-                  <a:tcPr marL="9525" marR="9525" marT="9525" marB="0" anchor="b">
-                    <a:solidFill>
-                      <a:schemeClr val="accent1">
-                        <a:lumMod val="40000"/>
-                        <a:lumOff val="60000"/>
-                      </a:schemeClr>
-                    </a:solidFill>
-                  </a:tcPr>
-                </a:tc>
-                <a:tc>
-                  <a:txBody>
-                    <a:bodyPr/>
-                    <a:lstStyle/>
-                    <a:p>
-                      <a:pPr algn="ctr" fontAlgn="b"/>
-                      <a:r>
-                        <a:rPr lang="en-PT" sz="1200" u="none" strike="noStrike" dirty="0">
-                          <a:effectLst/>
-                        </a:rPr>
-                        <a:t>0.001925</a:t>
-                      </a:r>
-                      <a:endParaRPr lang="en-PT" sz="1200" b="0" i="0" u="none" strike="noStrike" dirty="0">
-                        <a:solidFill>
-                          <a:srgbClr val="000000"/>
-                        </a:solidFill>
-                        <a:effectLst/>
-                        <a:latin typeface="Calibri" panose="020F0502020204030204" pitchFamily="34" charset="0"/>
-                      </a:endParaRPr>
-                    </a:p>
-                  </a:txBody>
-                  <a:tcPr marL="9525" marR="9525" marT="9525" marB="0" anchor="b">
-                    <a:solidFill>
-                      <a:schemeClr val="accent1">
-                        <a:lumMod val="40000"/>
-                        <a:lumOff val="60000"/>
-                      </a:schemeClr>
-                    </a:solidFill>
-                  </a:tcPr>
-                </a:tc>
-                <a:tc>
-                  <a:txBody>
-                    <a:bodyPr/>
-                    <a:lstStyle/>
-                    <a:p>
-                      <a:pPr algn="ctr" fontAlgn="b"/>
-                      <a:r>
-                        <a:rPr lang="en-PT" sz="1200" b="0" i="0" u="none" strike="noStrike" dirty="0">
+                        <a:rPr lang="en-PT" sz="1200" b="0" i="0" u="none" strike="noStrike">
                           <a:solidFill>
                             <a:srgbClr val="000000"/>
                           </a:solidFill>
                           <a:effectLst/>
                           <a:latin typeface="Calibri" panose="020F0502020204030204" pitchFamily="34" charset="0"/>
                         </a:rPr>
-                        <a:t>30.834950</a:t>
+                        <a:t>0,962</a:t>
                       </a:r>
                     </a:p>
                   </a:txBody>
@@ -9537,20 +9423,17 @@
                     <a:bodyPr/>
                     <a:lstStyle/>
                     <a:p>
-                      <a:pPr algn="ctr" fontAlgn="b"/>
+                      <a:pPr algn="ctr" rtl="0" fontAlgn="b"/>
                       <a:r>
-                        <a:rPr lang="en-PT" sz="1200" u="none" strike="noStrike" dirty="0">
+                        <a:rPr lang="en-GB" sz="1200" b="0" i="0" u="none" strike="noStrike">
+                          <a:solidFill>
+                            <a:srgbClr val="000000"/>
+                          </a:solidFill>
                           <a:effectLst/>
+                          <a:latin typeface="Calibri" panose="020F0502020204030204" pitchFamily="34" charset="0"/>
                         </a:rPr>
-                        <a:t>0.159850</a:t>
+                        <a:t>1,2E+02</a:t>
                       </a:r>
-                      <a:endParaRPr lang="en-PT" sz="1200" b="0" i="0" u="none" strike="noStrike" dirty="0">
-                        <a:solidFill>
-                          <a:srgbClr val="000000"/>
-                        </a:solidFill>
-                        <a:effectLst/>
-                        <a:latin typeface="Calibri" panose="020F0502020204030204" pitchFamily="34" charset="0"/>
-                      </a:endParaRPr>
                     </a:p>
                   </a:txBody>
                   <a:tcPr marL="9525" marR="9525" marT="9525" marB="0" anchor="b">
@@ -9567,20 +9450,17 @@
                     <a:bodyPr/>
                     <a:lstStyle/>
                     <a:p>
-                      <a:pPr algn="ctr" fontAlgn="b"/>
+                      <a:pPr algn="ctr" rtl="0" fontAlgn="b"/>
                       <a:r>
-                        <a:rPr lang="en-PT" sz="1200" u="none" strike="noStrike" dirty="0">
+                        <a:rPr lang="en-GB" sz="1200" b="0" i="0" u="none" strike="noStrike">
+                          <a:solidFill>
+                            <a:srgbClr val="000000"/>
+                          </a:solidFill>
                           <a:effectLst/>
+                          <a:latin typeface="Calibri" panose="020F0502020204030204" pitchFamily="34" charset="0"/>
                         </a:rPr>
-                        <a:t>5.050100</a:t>
+                        <a:t>1,9E-03</a:t>
                       </a:r>
-                      <a:endParaRPr lang="en-PT" sz="1200" b="0" i="0" u="none" strike="noStrike" dirty="0">
-                        <a:solidFill>
-                          <a:srgbClr val="000000"/>
-                        </a:solidFill>
-                        <a:effectLst/>
-                        <a:latin typeface="Calibri" panose="020F0502020204030204" pitchFamily="34" charset="0"/>
-                      </a:endParaRPr>
                     </a:p>
                   </a:txBody>
                   <a:tcPr marL="9525" marR="9525" marT="9525" marB="0" anchor="b">
@@ -9597,20 +9477,98 @@
                     <a:bodyPr/>
                     <a:lstStyle/>
                     <a:p>
-                      <a:pPr algn="ctr" fontAlgn="b"/>
+                      <a:pPr algn="ctr" rtl="0" fontAlgn="b"/>
                       <a:r>
-                        <a:rPr lang="en-PT" sz="1200" u="none" strike="noStrike" dirty="0">
+                        <a:rPr lang="en-GB" sz="1200" b="0" i="0" u="none" strike="noStrike">
+                          <a:solidFill>
+                            <a:srgbClr val="000000"/>
+                          </a:solidFill>
                           <a:effectLst/>
+                          <a:latin typeface="Calibri" panose="020F0502020204030204" pitchFamily="34" charset="0"/>
                         </a:rPr>
-                        <a:t>0.023350</a:t>
+                        <a:t>3,1E+01</a:t>
                       </a:r>
-                      <a:endParaRPr lang="en-PT" sz="1200" b="0" i="0" u="none" strike="noStrike" dirty="0">
-                        <a:solidFill>
-                          <a:srgbClr val="000000"/>
-                        </a:solidFill>
-                        <a:effectLst/>
-                        <a:latin typeface="Calibri" panose="020F0502020204030204" pitchFamily="34" charset="0"/>
-                      </a:endParaRPr>
+                    </a:p>
+                  </a:txBody>
+                  <a:tcPr marL="9525" marR="9525" marT="9525" marB="0" anchor="b">
+                    <a:solidFill>
+                      <a:schemeClr val="accent1">
+                        <a:lumMod val="40000"/>
+                        <a:lumOff val="60000"/>
+                      </a:schemeClr>
+                    </a:solidFill>
+                  </a:tcPr>
+                </a:tc>
+                <a:tc>
+                  <a:txBody>
+                    <a:bodyPr/>
+                    <a:lstStyle/>
+                    <a:p>
+                      <a:pPr algn="ctr" rtl="0" fontAlgn="b"/>
+                      <a:r>
+                        <a:rPr lang="en-GB" sz="1200" b="0" i="0" u="none" strike="noStrike">
+                          <a:solidFill>
+                            <a:srgbClr val="000000"/>
+                          </a:solidFill>
+                          <a:effectLst/>
+                          <a:latin typeface="Calibri" panose="020F0502020204030204" pitchFamily="34" charset="0"/>
+                        </a:rPr>
+                        <a:t>1,6E-01</a:t>
+                      </a:r>
+                    </a:p>
+                  </a:txBody>
+                  <a:tcPr marL="9525" marR="9525" marT="9525" marB="0" anchor="b">
+                    <a:solidFill>
+                      <a:schemeClr val="accent1">
+                        <a:lumMod val="40000"/>
+                        <a:lumOff val="60000"/>
+                      </a:schemeClr>
+                    </a:solidFill>
+                  </a:tcPr>
+                </a:tc>
+                <a:tc>
+                  <a:txBody>
+                    <a:bodyPr/>
+                    <a:lstStyle/>
+                    <a:p>
+                      <a:pPr algn="ctr" rtl="0" fontAlgn="b"/>
+                      <a:r>
+                        <a:rPr lang="en-GB" sz="1200" b="0" i="0" u="none" strike="noStrike">
+                          <a:solidFill>
+                            <a:srgbClr val="000000"/>
+                          </a:solidFill>
+                          <a:effectLst/>
+                          <a:latin typeface="Calibri" panose="020F0502020204030204" pitchFamily="34" charset="0"/>
+                        </a:rPr>
+                        <a:t>5,1E+00</a:t>
+                      </a:r>
+                    </a:p>
+                  </a:txBody>
+                  <a:tcPr marL="9525" marR="9525" marT="9525" marB="0" anchor="b">
+                    <a:solidFill>
+                      <a:schemeClr val="accent1">
+                        <a:lumMod val="40000"/>
+                        <a:lumOff val="60000"/>
+                      </a:schemeClr>
+                    </a:solidFill>
+                  </a:tcPr>
+                </a:tc>
+                <a:tc>
+                  <a:txBody>
+                    <a:bodyPr/>
+                    <a:lstStyle/>
+                    <a:p>
+                      <a:pPr algn="ctr" rtl="0" fontAlgn="b"/>
+                      <a:r>
+                        <a:rPr lang="en-GB" sz="1200" b="0" i="0" u="none" strike="noStrike" dirty="0">
+                          <a:solidFill>
+                            <a:srgbClr val="000000"/>
+                          </a:solidFill>
+                          <a:effectLst/>
+                          <a:latin typeface="Calibri" panose="020F0502020204030204" pitchFamily="34" charset="0"/>
+                        </a:rPr>
+                        <a:t>2,3E-02</a:t>
+                      </a:r>
                     </a:p>
                   </a:txBody>
                   <a:tcPr marL="9525" marR="9525" marT="9525" marB="0" anchor="b">
@@ -15935,14 +15893,14 @@
           <p:nvPr>
             <p:extLst>
               <p:ext uri="{D42A27DB-BD31-4B8C-83A1-F6EECF244321}">
-                <p14:modId xmlns:p14="http://schemas.microsoft.com/office/powerpoint/2010/main" val="3101971498"/>
+                <p14:modId xmlns:p14="http://schemas.microsoft.com/office/powerpoint/2010/main" val="2867259578"/>
               </p:ext>
             </p:extLst>
           </p:nvPr>
         </p:nvGraphicFramePr>
         <p:xfrm>
-          <a:off x="444748" y="6034357"/>
-          <a:ext cx="6604000" cy="477520"/>
+          <a:off x="440792" y="6068552"/>
+          <a:ext cx="6624955" cy="406400"/>
         </p:xfrm>
         <a:graphic>
           <a:graphicData uri="http://schemas.openxmlformats.org/drawingml/2006/table">
@@ -15951,7 +15909,7 @@
                 <a:tableStyleId>{5C22544A-7EE6-4342-B048-85BDC9FD1C3A}</a:tableStyleId>
               </a:tblPr>
               <a:tblGrid>
-                <a:gridCol w="825500">
+                <a:gridCol w="846455">
                   <a:extLst>
                     <a:ext uri="{9D8B030D-6E8A-4147-A177-3AD203B41FA5}">
                       <a16:colId xmlns:a16="http://schemas.microsoft.com/office/drawing/2014/main" val="344858900"/>
@@ -16261,16 +16219,20 @@
                     <a:bodyPr/>
                     <a:lstStyle/>
                     <a:p>
-                      <a:pPr algn="r" fontAlgn="ctr"/>
+                      <a:pPr algn="ctr" rtl="0" fontAlgn="ctr"/>
                       <a:r>
-                        <a:rPr lang="en-PT" sz="1200" dirty="0">
+                        <a:rPr lang="en-PT" sz="1200" b="0" i="0" u="none" strike="noStrike">
+                          <a:solidFill>
+                            <a:srgbClr val="000000"/>
+                          </a:solidFill>
                           <a:effectLst/>
+                          <a:latin typeface="Calibri" panose="020F0502020204030204" pitchFamily="34" charset="0"/>
                         </a:rPr>
-                        <a:t>-4.775140</a:t>
+                        <a:t>-4,775</a:t>
                       </a:r>
                     </a:p>
                   </a:txBody>
-                  <a:tcPr anchor="ctr">
+                  <a:tcPr marL="9525" marR="9525" marT="9525" marB="0" anchor="ctr">
                     <a:solidFill>
                       <a:schemeClr val="accent1">
                         <a:lumMod val="40000"/>
@@ -16284,16 +16246,20 @@
                     <a:bodyPr/>
                     <a:lstStyle/>
                     <a:p>
-                      <a:pPr algn="r" fontAlgn="ctr"/>
+                      <a:pPr algn="ctr" rtl="0" fontAlgn="ctr"/>
                       <a:r>
-                        <a:rPr lang="en-PT" sz="1200">
+                        <a:rPr lang="en-PT" sz="1200" b="0" i="0" u="none" strike="noStrike">
+                          <a:solidFill>
+                            <a:srgbClr val="000000"/>
+                          </a:solidFill>
                           <a:effectLst/>
+                          <a:latin typeface="Calibri" panose="020F0502020204030204" pitchFamily="34" charset="0"/>
                         </a:rPr>
-                        <a:t>0.076640</a:t>
+                        <a:t>0,077</a:t>
                       </a:r>
                     </a:p>
                   </a:txBody>
-                  <a:tcPr anchor="ctr">
+                  <a:tcPr marL="9525" marR="9525" marT="9525" marB="0" anchor="ctr">
                     <a:solidFill>
                       <a:schemeClr val="accent1">
                         <a:lumMod val="40000"/>
@@ -16307,16 +16273,20 @@
                     <a:bodyPr/>
                     <a:lstStyle/>
                     <a:p>
-                      <a:pPr algn="r" fontAlgn="ctr"/>
+                      <a:pPr algn="ctr" rtl="0" fontAlgn="ctr"/>
                       <a:r>
-                        <a:rPr lang="en-GB" sz="1000" dirty="0">
+                        <a:rPr lang="en-GB" sz="1000" b="0" i="0" u="none" strike="noStrike">
+                          <a:solidFill>
+                            <a:srgbClr val="000000"/>
+                          </a:solidFill>
                           <a:effectLst/>
+                          <a:latin typeface="Calibri" panose="020F0502020204030204" pitchFamily="34" charset="0"/>
                         </a:rPr>
-                        <a:t>385106600</a:t>
+                        <a:t>3,9E+08</a:t>
                       </a:r>
                     </a:p>
                   </a:txBody>
-                  <a:tcPr anchor="ctr">
+                  <a:tcPr marL="9525" marR="9525" marT="9525" marB="0" anchor="ctr">
                     <a:solidFill>
                       <a:schemeClr val="accent1">
                         <a:lumMod val="40000"/>
@@ -16330,16 +16300,20 @@
                     <a:bodyPr/>
                     <a:lstStyle/>
                     <a:p>
-                      <a:pPr algn="r" fontAlgn="ctr"/>
+                      <a:pPr algn="ctr" rtl="0" fontAlgn="ctr"/>
                       <a:r>
-                        <a:rPr lang="en-PT" sz="1200">
+                        <a:rPr lang="en-GB" sz="1200" b="0" i="0" u="none" strike="noStrike">
+                          <a:solidFill>
+                            <a:srgbClr val="000000"/>
+                          </a:solidFill>
                           <a:effectLst/>
+                          <a:latin typeface="Calibri" panose="020F0502020204030204" pitchFamily="34" charset="0"/>
                         </a:rPr>
-                        <a:t>0.035120</a:t>
+                        <a:t>3,5E-02</a:t>
                       </a:r>
                     </a:p>
                   </a:txBody>
-                  <a:tcPr anchor="ctr">
+                  <a:tcPr marL="9525" marR="9525" marT="9525" marB="0" anchor="ctr">
                     <a:solidFill>
                       <a:schemeClr val="accent1">
                         <a:lumMod val="40000"/>
@@ -16353,16 +16327,20 @@
                     <a:bodyPr/>
                     <a:lstStyle/>
                     <a:p>
-                      <a:pPr algn="r" fontAlgn="ctr"/>
+                      <a:pPr algn="ctr" rtl="0" fontAlgn="ctr"/>
                       <a:r>
-                        <a:rPr lang="en-PT" sz="1200" dirty="0">
+                        <a:rPr lang="en-GB" sz="1200" b="0" i="0" u="none" strike="noStrike">
+                          <a:solidFill>
+                            <a:srgbClr val="000000"/>
+                          </a:solidFill>
                           <a:effectLst/>
+                          <a:latin typeface="Calibri" panose="020F0502020204030204" pitchFamily="34" charset="0"/>
                         </a:rPr>
-                        <a:t>82780.89</a:t>
+                        <a:t>8,3E+04</a:t>
                       </a:r>
                     </a:p>
                   </a:txBody>
-                  <a:tcPr anchor="ctr">
+                  <a:tcPr marL="9525" marR="9525" marT="9525" marB="0" anchor="ctr">
                     <a:solidFill>
                       <a:schemeClr val="accent1">
                         <a:lumMod val="40000"/>
@@ -16376,16 +16354,20 @@
                     <a:bodyPr/>
                     <a:lstStyle/>
                     <a:p>
-                      <a:pPr algn="r" fontAlgn="ctr"/>
+                      <a:pPr algn="ctr" rtl="0" fontAlgn="ctr"/>
                       <a:r>
-                        <a:rPr lang="en-PT" sz="1200">
+                        <a:rPr lang="en-GB" sz="1200" b="0" i="0" u="none" strike="noStrike">
+                          <a:solidFill>
+                            <a:srgbClr val="000000"/>
+                          </a:solidFill>
                           <a:effectLst/>
+                          <a:latin typeface="Calibri" panose="020F0502020204030204" pitchFamily="34" charset="0"/>
                         </a:rPr>
-                        <a:t>0.629260</a:t>
+                        <a:t>6,3E-01</a:t>
                       </a:r>
                     </a:p>
                   </a:txBody>
-                  <a:tcPr anchor="ctr">
+                  <a:tcPr marL="9525" marR="9525" marT="9525" marB="0" anchor="ctr">
                     <a:solidFill>
                       <a:schemeClr val="accent1">
                         <a:lumMod val="40000"/>
@@ -16399,16 +16381,20 @@
                     <a:bodyPr/>
                     <a:lstStyle/>
                     <a:p>
-                      <a:pPr algn="r" fontAlgn="ctr"/>
+                      <a:pPr algn="ctr" rtl="0" fontAlgn="ctr"/>
                       <a:r>
-                        <a:rPr lang="en-PT" sz="1200" dirty="0">
+                        <a:rPr lang="en-GB" sz="1200" b="0" i="0" u="none" strike="noStrike">
+                          <a:solidFill>
+                            <a:srgbClr val="000000"/>
+                          </a:solidFill>
                           <a:effectLst/>
+                          <a:latin typeface="Calibri" panose="020F0502020204030204" pitchFamily="34" charset="0"/>
                         </a:rPr>
-                        <a:t>6184.480</a:t>
+                        <a:t>6,2E+03</a:t>
                       </a:r>
                     </a:p>
                   </a:txBody>
-                  <a:tcPr anchor="ctr">
+                  <a:tcPr marL="9525" marR="9525" marT="9525" marB="0" anchor="ctr">
                     <a:solidFill>
                       <a:schemeClr val="accent1">
                         <a:lumMod val="40000"/>
@@ -16422,16 +16408,20 @@
                     <a:bodyPr/>
                     <a:lstStyle/>
                     <a:p>
-                      <a:pPr algn="r" fontAlgn="ctr"/>
+                      <a:pPr algn="ctr" rtl="0" fontAlgn="ctr"/>
                       <a:r>
-                        <a:rPr lang="en-PT" sz="1200" dirty="0">
+                        <a:rPr lang="en-GB" sz="1200" b="0" i="0" u="none" strike="noStrike" dirty="0">
+                          <a:solidFill>
+                            <a:srgbClr val="000000"/>
+                          </a:solidFill>
                           <a:effectLst/>
+                          <a:latin typeface="Calibri" panose="020F0502020204030204" pitchFamily="34" charset="0"/>
                         </a:rPr>
-                        <a:t>0.097280</a:t>
+                        <a:t>9,7E-02</a:t>
                       </a:r>
                     </a:p>
                   </a:txBody>
-                  <a:tcPr anchor="ctr">
+                  <a:tcPr marL="9525" marR="9525" marT="9525" marB="0" anchor="ctr">
                     <a:solidFill>
                       <a:schemeClr val="accent1">
                         <a:lumMod val="40000"/>
@@ -16765,14 +16755,14 @@
           <p:nvPr>
             <p:extLst>
               <p:ext uri="{D42A27DB-BD31-4B8C-83A1-F6EECF244321}">
-                <p14:modId xmlns:p14="http://schemas.microsoft.com/office/powerpoint/2010/main" val="80077287"/>
+                <p14:modId xmlns:p14="http://schemas.microsoft.com/office/powerpoint/2010/main" val="3263025653"/>
               </p:ext>
             </p:extLst>
           </p:nvPr>
         </p:nvGraphicFramePr>
         <p:xfrm>
-          <a:off x="451270" y="1826728"/>
-          <a:ext cx="6604000" cy="477520"/>
+          <a:off x="451270" y="1865655"/>
+          <a:ext cx="6604000" cy="406400"/>
         </p:xfrm>
         <a:graphic>
           <a:graphicData uri="http://schemas.openxmlformats.org/drawingml/2006/table">
@@ -17091,26 +17081,71 @@
                     <a:bodyPr/>
                     <a:lstStyle/>
                     <a:p>
-                      <a:pPr algn="ctr" fontAlgn="b"/>
+                      <a:pPr algn="ctr" rtl="0" fontAlgn="b"/>
                       <a:r>
-                        <a:rPr lang="en-PT" sz="1200" b="0" i="0" u="none" strike="noStrike" kern="1200" dirty="0">
+                        <a:rPr lang="en-PT" sz="1200" b="0" i="0" u="none" strike="noStrike" dirty="0">
                           <a:solidFill>
-                            <a:schemeClr val="dk1"/>
+                            <a:srgbClr val="000000"/>
                           </a:solidFill>
                           <a:effectLst/>
-                          <a:latin typeface="+mn-lt"/>
-                          <a:ea typeface="+mn-ea"/>
-                          <a:cs typeface="+mn-cs"/>
+                          <a:latin typeface="Calibri" panose="020F0502020204030204" pitchFamily="34" charset="0"/>
                         </a:rPr>
-                        <a:t>0.998060</a:t>
+                        <a:t>0,998</a:t>
                       </a:r>
-                      <a:endParaRPr lang="en-PT" sz="1200" b="0" i="0" u="none" strike="noStrike" dirty="0">
-                        <a:solidFill>
-                          <a:srgbClr val="000000"/>
-                        </a:solidFill>
-                        <a:effectLst/>
-                        <a:latin typeface="Calibri" panose="020F0502020204030204" pitchFamily="34" charset="0"/>
-                      </a:endParaRPr>
+                    </a:p>
+                  </a:txBody>
+                  <a:tcPr marL="9525" marR="9525" marT="9525" marB="0" anchor="b">
+                    <a:solidFill>
+                      <a:schemeClr val="accent1">
+                        <a:lumMod val="40000"/>
+                        <a:lumOff val="60000"/>
+                      </a:schemeClr>
+                    </a:solidFill>
+                  </a:tcPr>
+                </a:tc>
+                <a:tc>
+                  <a:txBody>
+                    <a:bodyPr/>
+                    <a:lstStyle/>
+                    <a:p>
+                      <a:pPr algn="ctr" rtl="0" fontAlgn="b"/>
+                      <a:r>
+                        <a:rPr lang="en-PT" sz="1200" b="0" i="0" u="none" strike="noStrike">
+                          <a:solidFill>
+                            <a:srgbClr val="000000"/>
+                          </a:solidFill>
+                          <a:effectLst/>
+                          <a:latin typeface="Calibri" panose="020F0502020204030204" pitchFamily="34" charset="0"/>
+                        </a:rPr>
+                        <a:t>0,994</a:t>
+                      </a:r>
+                    </a:p>
+                  </a:txBody>
+                  <a:tcPr marL="9525" marR="9525" marT="9525" marB="0" anchor="b">
+                    <a:solidFill>
+                      <a:schemeClr val="accent1">
+                        <a:lumMod val="40000"/>
+                        <a:lumOff val="60000"/>
+                      </a:schemeClr>
+                    </a:solidFill>
+                  </a:tcPr>
+                </a:tc>
+                <a:tc>
+                  <a:txBody>
+                    <a:bodyPr/>
+                    <a:lstStyle/>
+                    <a:p>
+                      <a:pPr algn="ctr" rtl="0" fontAlgn="ctr"/>
+                      <a:r>
+                        <a:rPr lang="en-GB" sz="1200" b="0" i="0" u="none" strike="noStrike" dirty="0">
+                          <a:solidFill>
+                            <a:srgbClr val="000000"/>
+                          </a:solidFill>
+                          <a:effectLst/>
+                          <a:latin typeface="Calibri" panose="020F0502020204030204" pitchFamily="34" charset="0"/>
+                        </a:rPr>
+                        <a:t>2,1E+06</a:t>
+                      </a:r>
                     </a:p>
                   </a:txBody>
                   <a:tcPr marL="9525" marR="9525" marT="9525" marB="0" anchor="ctr">
@@ -17127,26 +17162,17 @@
                     <a:bodyPr/>
                     <a:lstStyle/>
                     <a:p>
-                      <a:pPr algn="ctr" fontAlgn="b"/>
+                      <a:pPr algn="ctr" rtl="0" fontAlgn="ctr"/>
                       <a:r>
-                        <a:rPr lang="en-PT" sz="1200" b="0" i="0" u="none" strike="noStrike" kern="1200" dirty="0">
+                        <a:rPr lang="en-GB" sz="1200" b="0" i="0" u="none" strike="noStrike" dirty="0">
                           <a:solidFill>
-                            <a:schemeClr val="dk1"/>
+                            <a:srgbClr val="000000"/>
                           </a:solidFill>
                           <a:effectLst/>
-                          <a:latin typeface="+mn-lt"/>
-                          <a:ea typeface="+mn-ea"/>
-                          <a:cs typeface="+mn-cs"/>
+                          <a:latin typeface="Calibri" panose="020F0502020204030204" pitchFamily="34" charset="0"/>
                         </a:rPr>
-                        <a:t>0.993700</a:t>
+                        <a:t>6E-05</a:t>
                       </a:r>
-                      <a:endParaRPr lang="en-PT" sz="1200" b="0" i="0" u="none" strike="noStrike" dirty="0">
-                        <a:solidFill>
-                          <a:srgbClr val="000000"/>
-                        </a:solidFill>
-                        <a:effectLst/>
-                        <a:latin typeface="Calibri" panose="020F0502020204030204" pitchFamily="34" charset="0"/>
-                      </a:endParaRPr>
                     </a:p>
                   </a:txBody>
                   <a:tcPr marL="9525" marR="9525" marT="9525" marB="0" anchor="ctr">
@@ -17163,16 +17189,20 @@
                     <a:bodyPr/>
                     <a:lstStyle/>
                     <a:p>
-                      <a:pPr algn="r" fontAlgn="ctr"/>
+                      <a:pPr algn="ctr" rtl="0" fontAlgn="ctr"/>
                       <a:r>
-                        <a:rPr lang="en-GB" sz="1200" dirty="0">
+                        <a:rPr lang="en-GB" sz="1200" b="0" i="0" u="none" strike="noStrike" dirty="0">
+                          <a:solidFill>
+                            <a:srgbClr val="000000"/>
+                          </a:solidFill>
                           <a:effectLst/>
+                          <a:latin typeface="Calibri" panose="020F0502020204030204" pitchFamily="34" charset="0"/>
                         </a:rPr>
-                        <a:t>2147860</a:t>
+                        <a:t>2,6E+04</a:t>
                       </a:r>
                     </a:p>
                   </a:txBody>
-                  <a:tcPr anchor="ctr">
+                  <a:tcPr marL="9525" marR="9525" marT="9525" marB="0" anchor="ctr">
                     <a:solidFill>
                       <a:schemeClr val="accent1">
                         <a:lumMod val="40000"/>
@@ -17186,16 +17216,20 @@
                     <a:bodyPr/>
                     <a:lstStyle/>
                     <a:p>
-                      <a:pPr algn="r" fontAlgn="ctr"/>
+                      <a:pPr algn="ctr" rtl="0" fontAlgn="ctr"/>
                       <a:r>
-                        <a:rPr lang="en-PT" sz="1200" dirty="0">
+                        <a:rPr lang="en-GB" sz="1200" b="0" i="0" u="none" strike="noStrike" dirty="0">
+                          <a:solidFill>
+                            <a:srgbClr val="000000"/>
+                          </a:solidFill>
                           <a:effectLst/>
+                          <a:latin typeface="Calibri" panose="020F0502020204030204" pitchFamily="34" charset="0"/>
                         </a:rPr>
-                        <a:t>0.000060</a:t>
+                        <a:t>6,7E-02</a:t>
                       </a:r>
                     </a:p>
                   </a:txBody>
-                  <a:tcPr anchor="ctr">
+                  <a:tcPr marL="9525" marR="9525" marT="9525" marB="0" anchor="ctr">
                     <a:solidFill>
                       <a:schemeClr val="accent1">
                         <a:lumMod val="40000"/>
@@ -17209,16 +17243,20 @@
                     <a:bodyPr/>
                     <a:lstStyle/>
                     <a:p>
-                      <a:pPr algn="r" fontAlgn="ctr"/>
+                      <a:pPr algn="ctr" rtl="0" fontAlgn="ctr"/>
                       <a:r>
-                        <a:rPr lang="en-PT" sz="1200" dirty="0">
+                        <a:rPr lang="en-GB" sz="1200" b="0" i="0" u="none" strike="noStrike" dirty="0">
+                          <a:solidFill>
+                            <a:srgbClr val="000000"/>
+                          </a:solidFill>
                           <a:effectLst/>
+                          <a:latin typeface="Calibri" panose="020F0502020204030204" pitchFamily="34" charset="0"/>
                         </a:rPr>
-                        <a:t>25639.76</a:t>
+                        <a:t>2,7E+02</a:t>
                       </a:r>
                     </a:p>
                   </a:txBody>
-                  <a:tcPr anchor="ctr">
+                  <a:tcPr marL="9525" marR="9525" marT="9525" marB="0" anchor="ctr">
                     <a:solidFill>
                       <a:schemeClr val="accent1">
                         <a:lumMod val="40000"/>
@@ -17232,62 +17270,20 @@
                     <a:bodyPr/>
                     <a:lstStyle/>
                     <a:p>
-                      <a:pPr algn="r" fontAlgn="ctr"/>
+                      <a:pPr algn="ctr" rtl="0" fontAlgn="ctr"/>
                       <a:r>
-                        <a:rPr lang="en-PT" sz="1200" dirty="0">
+                        <a:rPr lang="en-GB" sz="1200" b="0" i="0" u="none" strike="noStrike" dirty="0">
+                          <a:solidFill>
+                            <a:srgbClr val="000000"/>
+                          </a:solidFill>
                           <a:effectLst/>
+                          <a:latin typeface="Calibri" panose="020F0502020204030204" pitchFamily="34" charset="0"/>
                         </a:rPr>
-                        <a:t>0.067460</a:t>
+                        <a:t>2,7E-03</a:t>
                       </a:r>
                     </a:p>
                   </a:txBody>
-                  <a:tcPr anchor="ctr">
-                    <a:solidFill>
-                      <a:schemeClr val="accent1">
-                        <a:lumMod val="40000"/>
-                        <a:lumOff val="60000"/>
-                      </a:schemeClr>
-                    </a:solidFill>
-                  </a:tcPr>
-                </a:tc>
-                <a:tc>
-                  <a:txBody>
-                    <a:bodyPr/>
-                    <a:lstStyle/>
-                    <a:p>
-                      <a:pPr algn="r" fontAlgn="ctr"/>
-                      <a:r>
-                        <a:rPr lang="en-PT" sz="1200" dirty="0">
-                          <a:effectLst/>
-                        </a:rPr>
-                        <a:t>265.1753</a:t>
-                      </a:r>
-                    </a:p>
-                  </a:txBody>
-                  <a:tcPr anchor="ctr">
-                    <a:solidFill>
-                      <a:schemeClr val="accent1">
-                        <a:lumMod val="40000"/>
-                        <a:lumOff val="60000"/>
-                      </a:schemeClr>
-                    </a:solidFill>
-                  </a:tcPr>
-                </a:tc>
-                <a:tc>
-                  <a:txBody>
-                    <a:bodyPr/>
-                    <a:lstStyle/>
-                    <a:p>
-                      <a:pPr algn="r" fontAlgn="ctr"/>
-                      <a:r>
-                        <a:rPr lang="en-PT" sz="1200" dirty="0">
-                          <a:effectLst/>
-                        </a:rPr>
-                        <a:t>0.002740</a:t>
-                      </a:r>
-                    </a:p>
-                  </a:txBody>
-                  <a:tcPr anchor="ctr">
+                  <a:tcPr marL="9525" marR="9525" marT="9525" marB="0" anchor="ctr">
                     <a:solidFill>
                       <a:schemeClr val="accent1">
                         <a:lumMod val="40000"/>
@@ -17321,14 +17317,14 @@
           <p:nvPr>
             <p:extLst>
               <p:ext uri="{D42A27DB-BD31-4B8C-83A1-F6EECF244321}">
-                <p14:modId xmlns:p14="http://schemas.microsoft.com/office/powerpoint/2010/main" val="198042893"/>
+                <p14:modId xmlns:p14="http://schemas.microsoft.com/office/powerpoint/2010/main" val="925691140"/>
               </p:ext>
             </p:extLst>
           </p:nvPr>
         </p:nvGraphicFramePr>
         <p:xfrm>
-          <a:off x="451270" y="2693255"/>
-          <a:ext cx="6604000" cy="477520"/>
+          <a:off x="451270" y="2723640"/>
+          <a:ext cx="6604000" cy="406400"/>
         </p:xfrm>
         <a:graphic>
           <a:graphicData uri="http://schemas.openxmlformats.org/drawingml/2006/table">
@@ -17647,16 +17643,20 @@
                     <a:bodyPr/>
                     <a:lstStyle/>
                     <a:p>
-                      <a:pPr algn="r" fontAlgn="ctr"/>
+                      <a:pPr algn="ctr" rtl="0" fontAlgn="ctr"/>
                       <a:r>
-                        <a:rPr lang="en-PT" sz="1200" dirty="0">
+                        <a:rPr lang="en-PT" sz="1200" b="0" i="0" u="none" strike="noStrike">
+                          <a:solidFill>
+                            <a:srgbClr val="000000"/>
+                          </a:solidFill>
                           <a:effectLst/>
+                          <a:latin typeface="Calibri" panose="020F0502020204030204" pitchFamily="34" charset="0"/>
                         </a:rPr>
-                        <a:t>0.93470</a:t>
+                        <a:t>0,935</a:t>
                       </a:r>
                     </a:p>
                   </a:txBody>
-                  <a:tcPr anchor="ctr">
+                  <a:tcPr marL="9525" marR="9525" marT="9525" marB="0" anchor="ctr">
                     <a:solidFill>
                       <a:schemeClr val="accent1">
                         <a:lumMod val="40000"/>
@@ -17670,16 +17670,20 @@
                     <a:bodyPr/>
                     <a:lstStyle/>
                     <a:p>
-                      <a:pPr algn="r" fontAlgn="ctr"/>
+                      <a:pPr algn="ctr" rtl="0" fontAlgn="ctr"/>
                       <a:r>
-                        <a:rPr lang="en-PT" sz="1200">
+                        <a:rPr lang="en-PT" sz="1200" b="0" i="0" u="none" strike="noStrike">
+                          <a:solidFill>
+                            <a:srgbClr val="000000"/>
+                          </a:solidFill>
                           <a:effectLst/>
+                          <a:latin typeface="Calibri" panose="020F0502020204030204" pitchFamily="34" charset="0"/>
                         </a:rPr>
-                        <a:t>0.90318</a:t>
+                        <a:t>0,903</a:t>
                       </a:r>
                     </a:p>
                   </a:txBody>
-                  <a:tcPr anchor="ctr">
+                  <a:tcPr marL="9525" marR="9525" marT="9525" marB="0" anchor="ctr">
                     <a:solidFill>
                       <a:schemeClr val="accent1">
                         <a:lumMod val="40000"/>
@@ -17693,16 +17697,20 @@
                     <a:bodyPr/>
                     <a:lstStyle/>
                     <a:p>
-                      <a:pPr algn="r" fontAlgn="ctr"/>
+                      <a:pPr algn="ctr" rtl="0" fontAlgn="ctr"/>
                       <a:r>
-                        <a:rPr lang="en-GB" sz="1000" dirty="0">
+                        <a:rPr lang="en-GB" sz="1000" b="0" i="0" u="none" strike="noStrike">
+                          <a:solidFill>
+                            <a:srgbClr val="000000"/>
+                          </a:solidFill>
                           <a:effectLst/>
+                          <a:latin typeface="Calibri" panose="020F0502020204030204" pitchFamily="34" charset="0"/>
                         </a:rPr>
-                        <a:t>160638100</a:t>
+                        <a:t>1,6E+08</a:t>
                       </a:r>
                     </a:p>
                   </a:txBody>
-                  <a:tcPr anchor="ctr">
+                  <a:tcPr marL="9525" marR="9525" marT="9525" marB="0" anchor="ctr">
                     <a:solidFill>
                       <a:schemeClr val="accent1">
                         <a:lumMod val="40000"/>
@@ -17716,16 +17724,20 @@
                     <a:bodyPr/>
                     <a:lstStyle/>
                     <a:p>
-                      <a:pPr algn="r" fontAlgn="ctr"/>
+                      <a:pPr algn="ctr" rtl="0" fontAlgn="ctr"/>
                       <a:r>
-                        <a:rPr lang="en-PT" sz="1200">
+                        <a:rPr lang="en-GB" sz="1200" b="0" i="0" u="none" strike="noStrike">
+                          <a:solidFill>
+                            <a:srgbClr val="000000"/>
+                          </a:solidFill>
                           <a:effectLst/>
+                          <a:latin typeface="Calibri" panose="020F0502020204030204" pitchFamily="34" charset="0"/>
                         </a:rPr>
-                        <a:t>0.002440</a:t>
+                        <a:t>2,4E-03</a:t>
                       </a:r>
                     </a:p>
                   </a:txBody>
-                  <a:tcPr anchor="ctr">
+                  <a:tcPr marL="9525" marR="9525" marT="9525" marB="0" anchor="ctr">
                     <a:solidFill>
                       <a:schemeClr val="accent1">
                         <a:lumMod val="40000"/>
@@ -17739,16 +17751,20 @@
                     <a:bodyPr/>
                     <a:lstStyle/>
                     <a:p>
-                      <a:pPr algn="r" fontAlgn="ctr"/>
+                      <a:pPr algn="ctr" rtl="0" fontAlgn="ctr"/>
                       <a:r>
-                        <a:rPr lang="en-PT" sz="1200" dirty="0">
+                        <a:rPr lang="en-GB" sz="1200" b="0" i="0" u="none" strike="noStrike">
+                          <a:solidFill>
+                            <a:srgbClr val="000000"/>
+                          </a:solidFill>
                           <a:effectLst/>
+                          <a:latin typeface="Calibri" panose="020F0502020204030204" pitchFamily="34" charset="0"/>
                         </a:rPr>
-                        <a:t>54038.85</a:t>
+                        <a:t>5,4E+04</a:t>
                       </a:r>
                     </a:p>
                   </a:txBody>
-                  <a:tcPr anchor="ctr">
+                  <a:tcPr marL="9525" marR="9525" marT="9525" marB="0" anchor="ctr">
                     <a:solidFill>
                       <a:schemeClr val="accent1">
                         <a:lumMod val="40000"/>
@@ -17762,16 +17778,20 @@
                     <a:bodyPr/>
                     <a:lstStyle/>
                     <a:p>
-                      <a:pPr algn="r" fontAlgn="ctr"/>
+                      <a:pPr algn="ctr" rtl="0" fontAlgn="ctr"/>
                       <a:r>
-                        <a:rPr lang="en-PT" sz="1200" dirty="0">
+                        <a:rPr lang="en-GB" sz="1200" b="0" i="0" u="none" strike="noStrike">
+                          <a:solidFill>
+                            <a:srgbClr val="000000"/>
+                          </a:solidFill>
                           <a:effectLst/>
+                          <a:latin typeface="Calibri" panose="020F0502020204030204" pitchFamily="34" charset="0"/>
                         </a:rPr>
-                        <a:t>0.186600</a:t>
+                        <a:t>1,9E-01</a:t>
                       </a:r>
                     </a:p>
                   </a:txBody>
-                  <a:tcPr anchor="ctr">
+                  <a:tcPr marL="9525" marR="9525" marT="9525" marB="0" anchor="ctr">
                     <a:solidFill>
                       <a:schemeClr val="accent1">
                         <a:lumMod val="40000"/>
@@ -17785,16 +17805,20 @@
                     <a:bodyPr/>
                     <a:lstStyle/>
                     <a:p>
-                      <a:pPr algn="r" fontAlgn="ctr"/>
+                      <a:pPr algn="ctr" rtl="0" fontAlgn="ctr"/>
                       <a:r>
-                        <a:rPr lang="en-PT" sz="1200" dirty="0">
+                        <a:rPr lang="en-GB" sz="1200" b="0" i="0" u="none" strike="noStrike">
+                          <a:solidFill>
+                            <a:srgbClr val="000000"/>
+                          </a:solidFill>
                           <a:effectLst/>
+                          <a:latin typeface="Calibri" panose="020F0502020204030204" pitchFamily="34" charset="0"/>
                         </a:rPr>
-                        <a:t>1678.706</a:t>
+                        <a:t>1,7E+03</a:t>
                       </a:r>
                     </a:p>
                   </a:txBody>
-                  <a:tcPr anchor="ctr">
+                  <a:tcPr marL="9525" marR="9525" marT="9525" marB="0" anchor="ctr">
                     <a:solidFill>
                       <a:schemeClr val="accent1">
                         <a:lumMod val="40000"/>
@@ -17808,16 +17832,20 @@
                     <a:bodyPr/>
                     <a:lstStyle/>
                     <a:p>
-                      <a:pPr algn="r" fontAlgn="ctr"/>
+                      <a:pPr algn="ctr" rtl="0" fontAlgn="ctr"/>
                       <a:r>
-                        <a:rPr lang="en-PT" sz="1200" dirty="0">
+                        <a:rPr lang="en-GB" sz="1200" b="0" i="0" u="none" strike="noStrike" dirty="0">
+                          <a:solidFill>
+                            <a:srgbClr val="000000"/>
+                          </a:solidFill>
                           <a:effectLst/>
+                          <a:latin typeface="Calibri" panose="020F0502020204030204" pitchFamily="34" charset="0"/>
                         </a:rPr>
-                        <a:t>0.011780</a:t>
+                        <a:t>1,2E-02</a:t>
                       </a:r>
                     </a:p>
                   </a:txBody>
-                  <a:tcPr anchor="ctr">
+                  <a:tcPr marL="9525" marR="9525" marT="9525" marB="0" anchor="ctr">
                     <a:solidFill>
                       <a:schemeClr val="accent1">
                         <a:lumMod val="40000"/>
@@ -17851,14 +17879,14 @@
           <p:nvPr>
             <p:extLst>
               <p:ext uri="{D42A27DB-BD31-4B8C-83A1-F6EECF244321}">
-                <p14:modId xmlns:p14="http://schemas.microsoft.com/office/powerpoint/2010/main" val="3017638809"/>
+                <p14:modId xmlns:p14="http://schemas.microsoft.com/office/powerpoint/2010/main" val="876829189"/>
               </p:ext>
             </p:extLst>
           </p:nvPr>
         </p:nvGraphicFramePr>
         <p:xfrm>
-          <a:off x="451270" y="3527231"/>
-          <a:ext cx="6604000" cy="477520"/>
+          <a:off x="451270" y="3563113"/>
+          <a:ext cx="6604000" cy="406400"/>
         </p:xfrm>
         <a:graphic>
           <a:graphicData uri="http://schemas.openxmlformats.org/drawingml/2006/table">
@@ -18177,16 +18205,20 @@
                     <a:bodyPr/>
                     <a:lstStyle/>
                     <a:p>
-                      <a:pPr algn="r" fontAlgn="ctr"/>
+                      <a:pPr algn="ctr" rtl="0" fontAlgn="ctr"/>
                       <a:r>
-                        <a:rPr lang="en-PT" sz="1200" dirty="0">
+                        <a:rPr lang="en-PT" sz="1200" b="0" i="0" u="none" strike="noStrike">
+                          <a:solidFill>
+                            <a:srgbClr val="000000"/>
+                          </a:solidFill>
                           <a:effectLst/>
+                          <a:latin typeface="Calibri" panose="020F0502020204030204" pitchFamily="34" charset="0"/>
                         </a:rPr>
-                        <a:t>0.993280</a:t>
+                        <a:t>0,993</a:t>
                       </a:r>
                     </a:p>
                   </a:txBody>
-                  <a:tcPr anchor="ctr">
+                  <a:tcPr marL="9525" marR="9525" marT="9525" marB="0" anchor="ctr">
                     <a:solidFill>
                       <a:schemeClr val="accent1">
                         <a:lumMod val="40000"/>
@@ -18200,16 +18232,20 @@
                     <a:bodyPr/>
                     <a:lstStyle/>
                     <a:p>
-                      <a:pPr algn="r" fontAlgn="ctr"/>
+                      <a:pPr algn="ctr" rtl="0" fontAlgn="ctr"/>
                       <a:r>
-                        <a:rPr lang="en-PT" sz="1200">
+                        <a:rPr lang="en-PT" sz="1200" b="0" i="0" u="none" strike="noStrike">
+                          <a:solidFill>
+                            <a:srgbClr val="000000"/>
+                          </a:solidFill>
                           <a:effectLst/>
+                          <a:latin typeface="Calibri" panose="020F0502020204030204" pitchFamily="34" charset="0"/>
                         </a:rPr>
-                        <a:t>0.983240</a:t>
+                        <a:t>0,983</a:t>
                       </a:r>
                     </a:p>
                   </a:txBody>
-                  <a:tcPr anchor="ctr">
+                  <a:tcPr marL="9525" marR="9525" marT="9525" marB="0" anchor="ctr">
                     <a:solidFill>
                       <a:schemeClr val="accent1">
                         <a:lumMod val="40000"/>
@@ -18223,16 +18259,20 @@
                     <a:bodyPr/>
                     <a:lstStyle/>
                     <a:p>
-                      <a:pPr algn="r" fontAlgn="ctr"/>
+                      <a:pPr algn="ctr" rtl="0" fontAlgn="ctr"/>
                       <a:r>
-                        <a:rPr lang="en-GB" sz="1200" dirty="0">
+                        <a:rPr lang="en-GB" sz="1200" b="0" i="0" u="none" strike="noStrike">
+                          <a:solidFill>
+                            <a:srgbClr val="000000"/>
+                          </a:solidFill>
                           <a:effectLst/>
+                          <a:latin typeface="Calibri" panose="020F0502020204030204" pitchFamily="34" charset="0"/>
                         </a:rPr>
-                        <a:t>8621953</a:t>
+                        <a:t>8,6E+06</a:t>
                       </a:r>
                     </a:p>
                   </a:txBody>
-                  <a:tcPr anchor="ctr">
+                  <a:tcPr marL="9525" marR="9525" marT="9525" marB="0" anchor="ctr">
                     <a:solidFill>
                       <a:schemeClr val="accent1">
                         <a:lumMod val="40000"/>
@@ -18246,16 +18286,20 @@
                     <a:bodyPr/>
                     <a:lstStyle/>
                     <a:p>
-                      <a:pPr algn="r" fontAlgn="ctr"/>
+                      <a:pPr algn="ctr" rtl="0" fontAlgn="ctr"/>
                       <a:r>
-                        <a:rPr lang="en-PT" sz="1200">
+                        <a:rPr lang="en-GB" sz="1200" b="0" i="0" u="none" strike="noStrike">
+                          <a:solidFill>
+                            <a:srgbClr val="000000"/>
+                          </a:solidFill>
                           <a:effectLst/>
+                          <a:latin typeface="Calibri" panose="020F0502020204030204" pitchFamily="34" charset="0"/>
                         </a:rPr>
-                        <a:t>0.000220</a:t>
+                        <a:t>2,2E-04</a:t>
                       </a:r>
                     </a:p>
                   </a:txBody>
-                  <a:tcPr anchor="ctr">
+                  <a:tcPr marL="9525" marR="9525" marT="9525" marB="0" anchor="ctr">
                     <a:solidFill>
                       <a:schemeClr val="accent1">
                         <a:lumMod val="40000"/>
@@ -18269,16 +18313,20 @@
                     <a:bodyPr/>
                     <a:lstStyle/>
                     <a:p>
-                      <a:pPr algn="r" fontAlgn="ctr"/>
+                      <a:pPr algn="ctr" rtl="0" fontAlgn="ctr"/>
                       <a:r>
-                        <a:rPr lang="en-PT" sz="1200" dirty="0">
+                        <a:rPr lang="en-GB" sz="1200" b="0" i="0" u="none" strike="noStrike">
+                          <a:solidFill>
+                            <a:srgbClr val="000000"/>
+                          </a:solidFill>
                           <a:effectLst/>
+                          <a:latin typeface="Calibri" panose="020F0502020204030204" pitchFamily="34" charset="0"/>
                         </a:rPr>
-                        <a:t>36467.82</a:t>
+                        <a:t>3,6E+04</a:t>
                       </a:r>
                     </a:p>
                   </a:txBody>
-                  <a:tcPr anchor="ctr">
+                  <a:tcPr marL="9525" marR="9525" marT="9525" marB="0" anchor="ctr">
                     <a:solidFill>
                       <a:schemeClr val="accent1">
                         <a:lumMod val="40000"/>
@@ -18292,16 +18340,20 @@
                     <a:bodyPr/>
                     <a:lstStyle/>
                     <a:p>
-                      <a:pPr algn="r" fontAlgn="ctr"/>
+                      <a:pPr algn="ctr" rtl="0" fontAlgn="ctr"/>
                       <a:r>
-                        <a:rPr lang="en-PT" sz="1200">
+                        <a:rPr lang="en-GB" sz="1200" b="0" i="0" u="none" strike="noStrike">
+                          <a:solidFill>
+                            <a:srgbClr val="000000"/>
+                          </a:solidFill>
                           <a:effectLst/>
+                          <a:latin typeface="Calibri" panose="020F0502020204030204" pitchFamily="34" charset="0"/>
                         </a:rPr>
-                        <a:t>0.123120</a:t>
+                        <a:t>1,2E-01</a:t>
                       </a:r>
                     </a:p>
                   </a:txBody>
-                  <a:tcPr anchor="ctr">
+                  <a:tcPr marL="9525" marR="9525" marT="9525" marB="0" anchor="ctr">
                     <a:solidFill>
                       <a:schemeClr val="accent1">
                         <a:lumMod val="40000"/>
@@ -18315,16 +18367,20 @@
                     <a:bodyPr/>
                     <a:lstStyle/>
                     <a:p>
-                      <a:pPr algn="r" fontAlgn="ctr"/>
+                      <a:pPr algn="ctr" rtl="0" fontAlgn="ctr"/>
                       <a:r>
-                        <a:rPr lang="en-PT" sz="1200" dirty="0">
+                        <a:rPr lang="en-GB" sz="1200" b="0" i="0" u="none" strike="noStrike">
+                          <a:solidFill>
+                            <a:srgbClr val="000000"/>
+                          </a:solidFill>
                           <a:effectLst/>
+                          <a:latin typeface="Calibri" panose="020F0502020204030204" pitchFamily="34" charset="0"/>
                         </a:rPr>
-                        <a:t>822.2596</a:t>
+                        <a:t>8,2E+02</a:t>
                       </a:r>
                     </a:p>
                   </a:txBody>
-                  <a:tcPr anchor="ctr">
+                  <a:tcPr marL="9525" marR="9525" marT="9525" marB="0" anchor="ctr">
                     <a:solidFill>
                       <a:schemeClr val="accent1">
                         <a:lumMod val="40000"/>
@@ -18338,16 +18394,20 @@
                     <a:bodyPr/>
                     <a:lstStyle/>
                     <a:p>
-                      <a:pPr algn="r" fontAlgn="ctr"/>
+                      <a:pPr algn="ctr" rtl="0" fontAlgn="ctr"/>
                       <a:r>
-                        <a:rPr lang="en-PT" sz="1200" dirty="0">
+                        <a:rPr lang="en-GB" sz="1200" b="0" i="0" u="none" strike="noStrike" dirty="0">
+                          <a:solidFill>
+                            <a:srgbClr val="000000"/>
+                          </a:solidFill>
                           <a:effectLst/>
+                          <a:latin typeface="Calibri" panose="020F0502020204030204" pitchFamily="34" charset="0"/>
                         </a:rPr>
-                        <a:t>0.005260</a:t>
+                        <a:t>5,3E-03</a:t>
                       </a:r>
                     </a:p>
                   </a:txBody>
-                  <a:tcPr anchor="ctr">
+                  <a:tcPr marL="9525" marR="9525" marT="9525" marB="0" anchor="ctr">
                     <a:solidFill>
                       <a:schemeClr val="accent1">
                         <a:lumMod val="40000"/>
@@ -18381,14 +18441,14 @@
           <p:nvPr>
             <p:extLst>
               <p:ext uri="{D42A27DB-BD31-4B8C-83A1-F6EECF244321}">
-                <p14:modId xmlns:p14="http://schemas.microsoft.com/office/powerpoint/2010/main" val="3639137763"/>
+                <p14:modId xmlns:p14="http://schemas.microsoft.com/office/powerpoint/2010/main" val="673394298"/>
               </p:ext>
             </p:extLst>
           </p:nvPr>
         </p:nvGraphicFramePr>
         <p:xfrm>
-          <a:off x="451270" y="4406107"/>
-          <a:ext cx="6604000" cy="477520"/>
+          <a:off x="451270" y="4456518"/>
+          <a:ext cx="6604000" cy="406400"/>
         </p:xfrm>
         <a:graphic>
           <a:graphicData uri="http://schemas.openxmlformats.org/drawingml/2006/table">
@@ -18707,16 +18767,20 @@
                     <a:bodyPr/>
                     <a:lstStyle/>
                     <a:p>
-                      <a:pPr algn="r" fontAlgn="ctr"/>
+                      <a:pPr algn="ctr" rtl="0" fontAlgn="ctr"/>
                       <a:r>
-                        <a:rPr lang="en-PT" sz="1200" dirty="0">
+                        <a:rPr lang="en-PT" sz="1200" b="0" i="0" u="none" strike="noStrike">
+                          <a:solidFill>
+                            <a:srgbClr val="000000"/>
+                          </a:solidFill>
                           <a:effectLst/>
+                          <a:latin typeface="Calibri" panose="020F0502020204030204" pitchFamily="34" charset="0"/>
                         </a:rPr>
-                        <a:t>-5.274120</a:t>
+                        <a:t>-5,274</a:t>
                       </a:r>
                     </a:p>
                   </a:txBody>
-                  <a:tcPr anchor="ctr">
+                  <a:tcPr marL="9525" marR="9525" marT="9525" marB="0" anchor="ctr">
                     <a:solidFill>
                       <a:schemeClr val="accent1">
                         <a:lumMod val="40000"/>
@@ -18730,16 +18794,20 @@
                     <a:bodyPr/>
                     <a:lstStyle/>
                     <a:p>
-                      <a:pPr algn="r" fontAlgn="ctr"/>
+                      <a:pPr algn="ctr" rtl="0" fontAlgn="ctr"/>
                       <a:r>
-                        <a:rPr lang="en-PT" sz="1200">
+                        <a:rPr lang="en-PT" sz="1200" b="0" i="0" u="none" strike="noStrike">
+                          <a:solidFill>
+                            <a:srgbClr val="000000"/>
+                          </a:solidFill>
                           <a:effectLst/>
+                          <a:latin typeface="Calibri" panose="020F0502020204030204" pitchFamily="34" charset="0"/>
                         </a:rPr>
-                        <a:t>0.52374</a:t>
+                        <a:t>0,524</a:t>
                       </a:r>
                     </a:p>
                   </a:txBody>
-                  <a:tcPr anchor="ctr">
+                  <a:tcPr marL="9525" marR="9525" marT="9525" marB="0" anchor="ctr">
                     <a:solidFill>
                       <a:schemeClr val="accent1">
                         <a:lumMod val="40000"/>
@@ -18753,16 +18821,20 @@
                     <a:bodyPr/>
                     <a:lstStyle/>
                     <a:p>
-                      <a:pPr algn="r" fontAlgn="ctr"/>
+                      <a:pPr algn="ctr" rtl="0" fontAlgn="ctr"/>
                       <a:r>
-                        <a:rPr lang="en-GB" sz="1000" dirty="0">
+                        <a:rPr lang="en-GB" sz="1000" b="0" i="0" u="none" strike="noStrike">
+                          <a:solidFill>
+                            <a:srgbClr val="000000"/>
+                          </a:solidFill>
                           <a:effectLst/>
+                          <a:latin typeface="Calibri" panose="020F0502020204030204" pitchFamily="34" charset="0"/>
                         </a:rPr>
-                        <a:t>453248800</a:t>
+                        <a:t>4,5E+08</a:t>
                       </a:r>
                     </a:p>
                   </a:txBody>
-                  <a:tcPr anchor="ctr">
+                  <a:tcPr marL="9525" marR="9525" marT="9525" marB="0" anchor="ctr">
                     <a:solidFill>
                       <a:schemeClr val="accent1">
                         <a:lumMod val="40000"/>
@@ -18776,16 +18848,20 @@
                     <a:bodyPr/>
                     <a:lstStyle/>
                     <a:p>
-                      <a:pPr algn="r" fontAlgn="ctr"/>
+                      <a:pPr algn="ctr" rtl="0" fontAlgn="ctr"/>
                       <a:r>
-                        <a:rPr lang="en-PT" sz="1200">
+                        <a:rPr lang="en-GB" sz="1200" b="0" i="0" u="none" strike="noStrike">
+                          <a:solidFill>
+                            <a:srgbClr val="000000"/>
+                          </a:solidFill>
                           <a:effectLst/>
+                          <a:latin typeface="Calibri" panose="020F0502020204030204" pitchFamily="34" charset="0"/>
                         </a:rPr>
-                        <a:t>0.02102</a:t>
+                        <a:t>2,1E-02</a:t>
                       </a:r>
                     </a:p>
                   </a:txBody>
-                  <a:tcPr anchor="ctr">
+                  <a:tcPr marL="9525" marR="9525" marT="9525" marB="0" anchor="ctr">
                     <a:solidFill>
                       <a:schemeClr val="accent1">
                         <a:lumMod val="40000"/>
@@ -18799,16 +18875,20 @@
                     <a:bodyPr/>
                     <a:lstStyle/>
                     <a:p>
-                      <a:pPr algn="r" fontAlgn="ctr"/>
+                      <a:pPr algn="ctr" rtl="0" fontAlgn="ctr"/>
                       <a:r>
-                        <a:rPr lang="en-PT" sz="1200" dirty="0">
+                        <a:rPr lang="en-GB" sz="1200" b="0" i="0" u="none" strike="noStrike">
+                          <a:solidFill>
+                            <a:srgbClr val="000000"/>
+                          </a:solidFill>
                           <a:effectLst/>
+                          <a:latin typeface="Calibri" panose="020F0502020204030204" pitchFamily="34" charset="0"/>
                         </a:rPr>
-                        <a:t>77550.40</a:t>
+                        <a:t>7,8E+04</a:t>
                       </a:r>
                     </a:p>
                   </a:txBody>
-                  <a:tcPr anchor="ctr">
+                  <a:tcPr marL="9525" marR="9525" marT="9525" marB="0" anchor="ctr">
                     <a:solidFill>
                       <a:schemeClr val="accent1">
                         <a:lumMod val="40000"/>
@@ -18822,16 +18902,20 @@
                     <a:bodyPr/>
                     <a:lstStyle/>
                     <a:p>
-                      <a:pPr algn="r" fontAlgn="ctr"/>
+                      <a:pPr algn="ctr" rtl="0" fontAlgn="ctr"/>
                       <a:r>
-                        <a:rPr lang="en-PT" sz="1200">
+                        <a:rPr lang="en-GB" sz="1200" b="0" i="0" u="none" strike="noStrike">
+                          <a:solidFill>
+                            <a:srgbClr val="000000"/>
+                          </a:solidFill>
                           <a:effectLst/>
+                          <a:latin typeface="Calibri" panose="020F0502020204030204" pitchFamily="34" charset="0"/>
                         </a:rPr>
-                        <a:t>0.412140</a:t>
+                        <a:t>4,1E-01</a:t>
                       </a:r>
                     </a:p>
                   </a:txBody>
-                  <a:tcPr anchor="ctr">
+                  <a:tcPr marL="9525" marR="9525" marT="9525" marB="0" anchor="ctr">
                     <a:solidFill>
                       <a:schemeClr val="accent1">
                         <a:lumMod val="40000"/>
@@ -18845,16 +18929,20 @@
                     <a:bodyPr/>
                     <a:lstStyle/>
                     <a:p>
-                      <a:pPr algn="r" fontAlgn="ctr"/>
+                      <a:pPr algn="ctr" rtl="0" fontAlgn="ctr"/>
                       <a:r>
-                        <a:rPr lang="en-PT" sz="1200" dirty="0">
+                        <a:rPr lang="en-GB" sz="1200" b="0" i="0" u="none" strike="noStrike">
+                          <a:solidFill>
+                            <a:srgbClr val="000000"/>
+                          </a:solidFill>
                           <a:effectLst/>
+                          <a:latin typeface="Calibri" panose="020F0502020204030204" pitchFamily="34" charset="0"/>
                         </a:rPr>
-                        <a:t>7222.414</a:t>
+                        <a:t>7,2E+03</a:t>
                       </a:r>
                     </a:p>
                   </a:txBody>
-                  <a:tcPr anchor="ctr">
+                  <a:tcPr marL="9525" marR="9525" marT="9525" marB="0" anchor="ctr">
                     <a:solidFill>
                       <a:schemeClr val="accent1">
                         <a:lumMod val="40000"/>
@@ -18868,16 +18956,20 @@
                     <a:bodyPr/>
                     <a:lstStyle/>
                     <a:p>
-                      <a:pPr algn="r" fontAlgn="ctr"/>
+                      <a:pPr algn="ctr" rtl="0" fontAlgn="ctr"/>
                       <a:r>
-                        <a:rPr lang="en-PT" sz="1200" dirty="0">
+                        <a:rPr lang="en-GB" sz="1200" b="0" i="0" u="none" strike="noStrike" dirty="0">
+                          <a:solidFill>
+                            <a:srgbClr val="000000"/>
+                          </a:solidFill>
                           <a:effectLst/>
+                          <a:latin typeface="Calibri" panose="020F0502020204030204" pitchFamily="34" charset="0"/>
                         </a:rPr>
-                        <a:t>0.075140</a:t>
+                        <a:t>7,5E-02</a:t>
                       </a:r>
                     </a:p>
                   </a:txBody>
-                  <a:tcPr anchor="ctr">
+                  <a:tcPr marL="9525" marR="9525" marT="9525" marB="0" anchor="ctr">
                     <a:solidFill>
                       <a:schemeClr val="accent1">
                         <a:lumMod val="40000"/>
@@ -18911,14 +19003,14 @@
           <p:nvPr>
             <p:extLst>
               <p:ext uri="{D42A27DB-BD31-4B8C-83A1-F6EECF244321}">
-                <p14:modId xmlns:p14="http://schemas.microsoft.com/office/powerpoint/2010/main" val="3144977645"/>
+                <p14:modId xmlns:p14="http://schemas.microsoft.com/office/powerpoint/2010/main" val="2488672703"/>
               </p:ext>
             </p:extLst>
           </p:nvPr>
         </p:nvGraphicFramePr>
         <p:xfrm>
-          <a:off x="451270" y="5229619"/>
-          <a:ext cx="6604000" cy="477520"/>
+          <a:off x="451270" y="5255109"/>
+          <a:ext cx="6604000" cy="406400"/>
         </p:xfrm>
         <a:graphic>
           <a:graphicData uri="http://schemas.openxmlformats.org/drawingml/2006/table">
@@ -19237,16 +19329,20 @@
                     <a:bodyPr/>
                     <a:lstStyle/>
                     <a:p>
-                      <a:pPr algn="r" fontAlgn="ctr"/>
+                      <a:pPr algn="ctr" rtl="0" fontAlgn="ctr"/>
                       <a:r>
-                        <a:rPr lang="en-PT" sz="1200" dirty="0">
+                        <a:rPr lang="en-PT" sz="1200" b="0" i="0" u="none" strike="noStrike">
+                          <a:solidFill>
+                            <a:srgbClr val="000000"/>
+                          </a:solidFill>
                           <a:effectLst/>
+                          <a:latin typeface="Calibri" panose="020F0502020204030204" pitchFamily="34" charset="0"/>
                         </a:rPr>
-                        <a:t>0.947640</a:t>
+                        <a:t>0,948</a:t>
                       </a:r>
                     </a:p>
                   </a:txBody>
-                  <a:tcPr anchor="ctr">
+                  <a:tcPr marL="9525" marR="9525" marT="9525" marB="0" anchor="ctr">
                     <a:solidFill>
                       <a:schemeClr val="accent1">
                         <a:lumMod val="40000"/>
@@ -19260,16 +19356,20 @@
                     <a:bodyPr/>
                     <a:lstStyle/>
                     <a:p>
-                      <a:pPr algn="r" fontAlgn="ctr"/>
+                      <a:pPr algn="ctr" rtl="0" fontAlgn="ctr"/>
                       <a:r>
-                        <a:rPr lang="en-PT" sz="1200">
+                        <a:rPr lang="en-PT" sz="1200" b="0" i="0" u="none" strike="noStrike">
+                          <a:solidFill>
+                            <a:srgbClr val="000000"/>
+                          </a:solidFill>
                           <a:effectLst/>
+                          <a:latin typeface="Calibri" panose="020F0502020204030204" pitchFamily="34" charset="0"/>
                         </a:rPr>
-                        <a:t>0.801980</a:t>
+                        <a:t>0,802</a:t>
                       </a:r>
                     </a:p>
                   </a:txBody>
-                  <a:tcPr anchor="ctr">
+                  <a:tcPr marL="9525" marR="9525" marT="9525" marB="0" anchor="ctr">
                     <a:solidFill>
                       <a:schemeClr val="accent1">
                         <a:lumMod val="40000"/>
@@ -19283,16 +19383,20 @@
                     <a:bodyPr/>
                     <a:lstStyle/>
                     <a:p>
-                      <a:pPr algn="r" fontAlgn="ctr"/>
+                      <a:pPr algn="ctr" rtl="0" fontAlgn="ctr"/>
                       <a:r>
-                        <a:rPr lang="en-GB" sz="1200" dirty="0">
+                        <a:rPr lang="en-GB" sz="1200" b="0" i="0" u="none" strike="noStrike">
+                          <a:solidFill>
+                            <a:srgbClr val="000000"/>
+                          </a:solidFill>
                           <a:effectLst/>
+                          <a:latin typeface="Calibri" panose="020F0502020204030204" pitchFamily="34" charset="0"/>
                         </a:rPr>
-                        <a:t>69451540</a:t>
+                        <a:t>6,9E+07</a:t>
                       </a:r>
                     </a:p>
                   </a:txBody>
-                  <a:tcPr anchor="ctr">
+                  <a:tcPr marL="9525" marR="9525" marT="9525" marB="0" anchor="ctr">
                     <a:solidFill>
                       <a:schemeClr val="accent1">
                         <a:lumMod val="40000"/>
@@ -19306,16 +19410,20 @@
                     <a:bodyPr/>
                     <a:lstStyle/>
                     <a:p>
-                      <a:pPr algn="r" fontAlgn="ctr"/>
+                      <a:pPr algn="ctr" rtl="0" fontAlgn="ctr"/>
                       <a:r>
-                        <a:rPr lang="en-PT" sz="1200">
+                        <a:rPr lang="en-GB" sz="1200" b="0" i="0" u="none" strike="noStrike">
+                          <a:solidFill>
+                            <a:srgbClr val="000000"/>
+                          </a:solidFill>
                           <a:effectLst/>
+                          <a:latin typeface="Calibri" panose="020F0502020204030204" pitchFamily="34" charset="0"/>
                         </a:rPr>
-                        <a:t>0.002420</a:t>
+                        <a:t>2,4E-03</a:t>
                       </a:r>
                     </a:p>
                   </a:txBody>
-                  <a:tcPr anchor="ctr">
+                  <a:tcPr marL="9525" marR="9525" marT="9525" marB="0" anchor="ctr">
                     <a:solidFill>
                       <a:schemeClr val="accent1">
                         <a:lumMod val="40000"/>
@@ -19329,16 +19437,20 @@
                     <a:bodyPr/>
                     <a:lstStyle/>
                     <a:p>
-                      <a:pPr algn="r" fontAlgn="ctr"/>
+                      <a:pPr algn="ctr" rtl="0" fontAlgn="ctr"/>
                       <a:r>
-                        <a:rPr lang="en-PT" sz="1200" dirty="0">
+                        <a:rPr lang="en-GB" sz="1200" b="0" i="0" u="none" strike="noStrike">
+                          <a:solidFill>
+                            <a:srgbClr val="000000"/>
+                          </a:solidFill>
                           <a:effectLst/>
+                          <a:latin typeface="Calibri" panose="020F0502020204030204" pitchFamily="34" charset="0"/>
                         </a:rPr>
-                        <a:t>112294.5</a:t>
+                        <a:t>1,1E+05</a:t>
                       </a:r>
                     </a:p>
                   </a:txBody>
-                  <a:tcPr anchor="ctr">
+                  <a:tcPr marL="9525" marR="9525" marT="9525" marB="0" anchor="ctr">
                     <a:solidFill>
                       <a:schemeClr val="accent1">
                         <a:lumMod val="40000"/>
@@ -19352,16 +19464,20 @@
                     <a:bodyPr/>
                     <a:lstStyle/>
                     <a:p>
-                      <a:pPr algn="r" fontAlgn="ctr"/>
+                      <a:pPr algn="ctr" rtl="0" fontAlgn="ctr"/>
                       <a:r>
-                        <a:rPr lang="en-PT" sz="1200">
+                        <a:rPr lang="en-GB" sz="1200" b="0" i="0" u="none" strike="noStrike">
+                          <a:solidFill>
+                            <a:srgbClr val="000000"/>
+                          </a:solidFill>
                           <a:effectLst/>
+                          <a:latin typeface="Calibri" panose="020F0502020204030204" pitchFamily="34" charset="0"/>
                         </a:rPr>
-                        <a:t>0.298800</a:t>
+                        <a:t>3,0E-01</a:t>
                       </a:r>
                     </a:p>
                   </a:txBody>
-                  <a:tcPr anchor="ctr">
+                  <a:tcPr marL="9525" marR="9525" marT="9525" marB="0" anchor="ctr">
                     <a:solidFill>
                       <a:schemeClr val="accent1">
                         <a:lumMod val="40000"/>
@@ -19375,16 +19491,20 @@
                     <a:bodyPr/>
                     <a:lstStyle/>
                     <a:p>
-                      <a:pPr algn="r" fontAlgn="ctr"/>
+                      <a:pPr algn="ctr" rtl="0" fontAlgn="ctr"/>
                       <a:r>
-                        <a:rPr lang="en-PT" sz="1200" dirty="0">
+                        <a:rPr lang="en-GB" sz="1200" b="0" i="0" u="none" strike="noStrike">
+                          <a:solidFill>
+                            <a:srgbClr val="000000"/>
+                          </a:solidFill>
                           <a:effectLst/>
+                          <a:latin typeface="Calibri" panose="020F0502020204030204" pitchFamily="34" charset="0"/>
                         </a:rPr>
-                        <a:t>2028.551</a:t>
+                        <a:t>2,0E+03</a:t>
                       </a:r>
                     </a:p>
                   </a:txBody>
-                  <a:tcPr anchor="ctr">
+                  <a:tcPr marL="9525" marR="9525" marT="9525" marB="0" anchor="ctr">
                     <a:solidFill>
                       <a:schemeClr val="accent1">
                         <a:lumMod val="40000"/>
@@ -19398,16 +19518,20 @@
                     <a:bodyPr/>
                     <a:lstStyle/>
                     <a:p>
-                      <a:pPr algn="r" fontAlgn="ctr"/>
+                      <a:pPr algn="ctr" rtl="0" fontAlgn="ctr"/>
                       <a:r>
-                        <a:rPr lang="en-PT" sz="1200" dirty="0">
+                        <a:rPr lang="en-GB" sz="1200" b="0" i="0" u="none" strike="noStrike" dirty="0">
+                          <a:solidFill>
+                            <a:srgbClr val="000000"/>
+                          </a:solidFill>
                           <a:effectLst/>
+                          <a:latin typeface="Calibri" panose="020F0502020204030204" pitchFamily="34" charset="0"/>
                         </a:rPr>
-                        <a:t>0.019800</a:t>
+                        <a:t>2,0E-02</a:t>
                       </a:r>
                     </a:p>
                   </a:txBody>
-                  <a:tcPr anchor="ctr">
+                  <a:tcPr marL="9525" marR="9525" marT="9525" marB="0" anchor="ctr">
                     <a:solidFill>
                       <a:schemeClr val="accent1">
                         <a:lumMod val="40000"/>
@@ -21810,7 +21934,7 @@
           <p:nvPr>
             <p:extLst>
               <p:ext uri="{D42A27DB-BD31-4B8C-83A1-F6EECF244321}">
-                <p14:modId xmlns:p14="http://schemas.microsoft.com/office/powerpoint/2010/main" val="2195764730"/>
+                <p14:modId xmlns:p14="http://schemas.microsoft.com/office/powerpoint/2010/main" val="1477671670"/>
               </p:ext>
             </p:extLst>
           </p:nvPr>
@@ -22136,20 +22260,17 @@
                     <a:bodyPr/>
                     <a:lstStyle/>
                     <a:p>
-                      <a:pPr algn="ctr" fontAlgn="b"/>
+                      <a:pPr algn="ctr" rtl="0" fontAlgn="b"/>
                       <a:r>
-                        <a:rPr lang="en-PT" sz="1200" u="none" strike="noStrike" dirty="0">
+                        <a:rPr lang="en-PT" sz="1200" b="0" i="0" u="none" strike="noStrike">
+                          <a:solidFill>
+                            <a:srgbClr val="000000"/>
+                          </a:solidFill>
                           <a:effectLst/>
+                          <a:latin typeface="Calibri" panose="020F0502020204030204" pitchFamily="34" charset="0"/>
                         </a:rPr>
-                        <a:t>0.995380</a:t>
+                        <a:t>0,995</a:t>
                       </a:r>
-                      <a:endParaRPr lang="en-PT" sz="1200" b="0" i="0" u="none" strike="noStrike" dirty="0">
-                        <a:solidFill>
-                          <a:srgbClr val="000000"/>
-                        </a:solidFill>
-                        <a:effectLst/>
-                        <a:latin typeface="Calibri" panose="020F0502020204030204" pitchFamily="34" charset="0"/>
-                      </a:endParaRPr>
                     </a:p>
                   </a:txBody>
                   <a:tcPr marL="9525" marR="9525" marT="9525" marB="0" anchor="b">
@@ -22166,20 +22287,17 @@
                     <a:bodyPr/>
                     <a:lstStyle/>
                     <a:p>
-                      <a:pPr algn="ctr" fontAlgn="b"/>
+                      <a:pPr algn="ctr" rtl="0" fontAlgn="b"/>
                       <a:r>
-                        <a:rPr lang="en-PT" sz="1200" u="none" strike="noStrike" dirty="0">
+                        <a:rPr lang="en-PT" sz="1200" b="0" i="0" u="none" strike="noStrike">
+                          <a:solidFill>
+                            <a:srgbClr val="000000"/>
+                          </a:solidFill>
                           <a:effectLst/>
+                          <a:latin typeface="Calibri" panose="020F0502020204030204" pitchFamily="34" charset="0"/>
                         </a:rPr>
-                        <a:t>0.992120</a:t>
+                        <a:t>0,992</a:t>
                       </a:r>
-                      <a:endParaRPr lang="en-PT" sz="1200" b="0" i="0" u="none" strike="noStrike" dirty="0">
-                        <a:solidFill>
-                          <a:srgbClr val="000000"/>
-                        </a:solidFill>
-                        <a:effectLst/>
-                        <a:latin typeface="Calibri" panose="020F0502020204030204" pitchFamily="34" charset="0"/>
-                      </a:endParaRPr>
                     </a:p>
                   </a:txBody>
                   <a:tcPr marL="9525" marR="9525" marT="9525" marB="0" anchor="b">
@@ -22196,20 +22314,17 @@
                     <a:bodyPr/>
                     <a:lstStyle/>
                     <a:p>
-                      <a:pPr algn="ctr" fontAlgn="b"/>
+                      <a:pPr algn="ctr" rtl="0" fontAlgn="b"/>
                       <a:r>
-                        <a:rPr lang="en-PT" sz="1200" u="none" strike="noStrike" dirty="0">
+                        <a:rPr lang="en-GB" sz="1200" b="0" i="0" u="none" strike="noStrike">
+                          <a:solidFill>
+                            <a:srgbClr val="000000"/>
+                          </a:solidFill>
                           <a:effectLst/>
+                          <a:latin typeface="Calibri" panose="020F0502020204030204" pitchFamily="34" charset="0"/>
                         </a:rPr>
-                        <a:t>665.051220</a:t>
+                        <a:t>6,7E+02</a:t>
                       </a:r>
-                      <a:endParaRPr lang="en-PT" sz="1200" b="0" i="0" u="none" strike="noStrike" dirty="0">
-                        <a:solidFill>
-                          <a:srgbClr val="000000"/>
-                        </a:solidFill>
-                        <a:effectLst/>
-                        <a:latin typeface="Calibri" panose="020F0502020204030204" pitchFamily="34" charset="0"/>
-                      </a:endParaRPr>
                     </a:p>
                   </a:txBody>
                   <a:tcPr marL="9525" marR="9525" marT="9525" marB="0" anchor="b">
@@ -22226,20 +22341,17 @@
                     <a:bodyPr/>
                     <a:lstStyle/>
                     <a:p>
-                      <a:pPr algn="ctr" fontAlgn="b"/>
+                      <a:pPr algn="ctr" rtl="0" fontAlgn="b"/>
                       <a:r>
-                        <a:rPr lang="en-PT" sz="1200" u="none" strike="noStrike" dirty="0">
+                        <a:rPr lang="en-GB" sz="1200" b="0" i="0" u="none" strike="noStrike">
+                          <a:solidFill>
+                            <a:srgbClr val="000000"/>
+                          </a:solidFill>
                           <a:effectLst/>
+                          <a:latin typeface="Calibri" panose="020F0502020204030204" pitchFamily="34" charset="0"/>
                         </a:rPr>
-                        <a:t>0.000140</a:t>
+                        <a:t>1,4E-04</a:t>
                       </a:r>
-                      <a:endParaRPr lang="en-PT" sz="1200" b="0" i="0" u="none" strike="noStrike" dirty="0">
-                        <a:solidFill>
-                          <a:srgbClr val="000000"/>
-                        </a:solidFill>
-                        <a:effectLst/>
-                        <a:latin typeface="Calibri" panose="020F0502020204030204" pitchFamily="34" charset="0"/>
-                      </a:endParaRPr>
                     </a:p>
                   </a:txBody>
                   <a:tcPr marL="9525" marR="9525" marT="9525" marB="0" anchor="b">
@@ -22256,20 +22368,17 @@
                     <a:bodyPr/>
                     <a:lstStyle/>
                     <a:p>
-                      <a:pPr algn="ctr" fontAlgn="b"/>
+                      <a:pPr algn="ctr" rtl="0" fontAlgn="b"/>
                       <a:r>
-                        <a:rPr lang="en-PT" sz="1200" u="none" strike="noStrike" dirty="0">
+                        <a:rPr lang="en-GB" sz="1200" b="0" i="0" u="none" strike="noStrike">
+                          <a:solidFill>
+                            <a:srgbClr val="000000"/>
+                          </a:solidFill>
                           <a:effectLst/>
+                          <a:latin typeface="Calibri" panose="020F0502020204030204" pitchFamily="34" charset="0"/>
                         </a:rPr>
-                        <a:t>185.243940</a:t>
+                        <a:t>1,9E+02</a:t>
                       </a:r>
-                      <a:endParaRPr lang="en-PT" sz="1200" b="0" i="0" u="none" strike="noStrike" dirty="0">
-                        <a:solidFill>
-                          <a:srgbClr val="000000"/>
-                        </a:solidFill>
-                        <a:effectLst/>
-                        <a:latin typeface="Calibri" panose="020F0502020204030204" pitchFamily="34" charset="0"/>
-                      </a:endParaRPr>
                     </a:p>
                   </a:txBody>
                   <a:tcPr marL="9525" marR="9525" marT="9525" marB="0" anchor="b">
@@ -22286,20 +22395,17 @@
                     <a:bodyPr/>
                     <a:lstStyle/>
                     <a:p>
-                      <a:pPr algn="ctr" fontAlgn="b"/>
+                      <a:pPr algn="ctr" rtl="0" fontAlgn="b"/>
                       <a:r>
-                        <a:rPr lang="en-PT" sz="1200" u="none" strike="noStrike" dirty="0">
+                        <a:rPr lang="en-GB" sz="1200" b="0" i="0" u="none" strike="noStrike">
+                          <a:solidFill>
+                            <a:srgbClr val="000000"/>
+                          </a:solidFill>
                           <a:effectLst/>
+                          <a:latin typeface="Calibri" panose="020F0502020204030204" pitchFamily="34" charset="0"/>
                         </a:rPr>
-                        <a:t>0.101180</a:t>
+                        <a:t>1,0E-01</a:t>
                       </a:r>
-                      <a:endParaRPr lang="en-PT" sz="1200" b="0" i="0" u="none" strike="noStrike" dirty="0">
-                        <a:solidFill>
-                          <a:srgbClr val="000000"/>
-                        </a:solidFill>
-                        <a:effectLst/>
-                        <a:latin typeface="Calibri" panose="020F0502020204030204" pitchFamily="34" charset="0"/>
-                      </a:endParaRPr>
                     </a:p>
                   </a:txBody>
                   <a:tcPr marL="9525" marR="9525" marT="9525" marB="0" anchor="b">
@@ -22316,20 +22422,17 @@
                     <a:bodyPr/>
                     <a:lstStyle/>
                     <a:p>
-                      <a:pPr algn="ctr" fontAlgn="b"/>
+                      <a:pPr algn="ctr" rtl="0" fontAlgn="b"/>
                       <a:r>
-                        <a:rPr lang="en-PT" sz="1200" u="none" strike="noStrike" dirty="0">
+                        <a:rPr lang="en-GB" sz="1200" b="0" i="0" u="none" strike="noStrike">
+                          <a:solidFill>
+                            <a:srgbClr val="000000"/>
+                          </a:solidFill>
                           <a:effectLst/>
+                          <a:latin typeface="Calibri" panose="020F0502020204030204" pitchFamily="34" charset="0"/>
                         </a:rPr>
-                        <a:t>10.650660</a:t>
+                        <a:t>1,1E+01</a:t>
                       </a:r>
-                      <a:endParaRPr lang="en-PT" sz="1200" b="0" i="0" u="none" strike="noStrike" dirty="0">
-                        <a:solidFill>
-                          <a:srgbClr val="000000"/>
-                        </a:solidFill>
-                        <a:effectLst/>
-                        <a:latin typeface="Calibri" panose="020F0502020204030204" pitchFamily="34" charset="0"/>
-                      </a:endParaRPr>
                     </a:p>
                   </a:txBody>
                   <a:tcPr marL="9525" marR="9525" marT="9525" marB="0" anchor="b">
@@ -22346,20 +22449,17 @@
                     <a:bodyPr/>
                     <a:lstStyle/>
                     <a:p>
-                      <a:pPr algn="ctr" fontAlgn="b"/>
+                      <a:pPr algn="ctr" rtl="0" fontAlgn="b"/>
                       <a:r>
-                        <a:rPr lang="en-PT" sz="1200" u="none" strike="noStrike" dirty="0">
+                        <a:rPr lang="en-GB" sz="1200" b="0" i="0" u="none" strike="noStrike" dirty="0">
+                          <a:solidFill>
+                            <a:srgbClr val="000000"/>
+                          </a:solidFill>
                           <a:effectLst/>
+                          <a:latin typeface="Calibri" panose="020F0502020204030204" pitchFamily="34" charset="0"/>
                         </a:rPr>
-                        <a:t>0.004680</a:t>
+                        <a:t>4,7E-03</a:t>
                       </a:r>
-                      <a:endParaRPr lang="en-PT" sz="1200" b="0" i="0" u="none" strike="noStrike" dirty="0">
-                        <a:solidFill>
-                          <a:srgbClr val="000000"/>
-                        </a:solidFill>
-                        <a:effectLst/>
-                        <a:latin typeface="Calibri" panose="020F0502020204030204" pitchFamily="34" charset="0"/>
-                      </a:endParaRPr>
                     </a:p>
                   </a:txBody>
                   <a:tcPr marL="9525" marR="9525" marT="9525" marB="0" anchor="b">
@@ -22396,7 +22496,7 @@
           <p:nvPr>
             <p:extLst>
               <p:ext uri="{D42A27DB-BD31-4B8C-83A1-F6EECF244321}">
-                <p14:modId xmlns:p14="http://schemas.microsoft.com/office/powerpoint/2010/main" val="2082922515"/>
+                <p14:modId xmlns:p14="http://schemas.microsoft.com/office/powerpoint/2010/main" val="3230422750"/>
               </p:ext>
             </p:extLst>
           </p:nvPr>
@@ -22722,20 +22822,17 @@
                     <a:bodyPr/>
                     <a:lstStyle/>
                     <a:p>
-                      <a:pPr algn="ctr" fontAlgn="b"/>
+                      <a:pPr algn="ctr" rtl="0" fontAlgn="b"/>
                       <a:r>
-                        <a:rPr lang="en-PT" sz="1200" u="none" strike="noStrike" dirty="0">
+                        <a:rPr lang="en-PT" sz="1200" b="0" i="0" u="none" strike="noStrike">
+                          <a:solidFill>
+                            <a:srgbClr val="000000"/>
+                          </a:solidFill>
                           <a:effectLst/>
+                          <a:latin typeface="Calibri" panose="020F0502020204030204" pitchFamily="34" charset="0"/>
                         </a:rPr>
-                        <a:t>-121.522380</a:t>
+                        <a:t>-121,522</a:t>
                       </a:r>
-                      <a:endParaRPr lang="en-PT" sz="1200" b="0" i="0" u="none" strike="noStrike" dirty="0">
-                        <a:solidFill>
-                          <a:srgbClr val="000000"/>
-                        </a:solidFill>
-                        <a:effectLst/>
-                        <a:latin typeface="Calibri" panose="020F0502020204030204" pitchFamily="34" charset="0"/>
-                      </a:endParaRPr>
                     </a:p>
                   </a:txBody>
                   <a:tcPr marL="9525" marR="9525" marT="9525" marB="0" anchor="b">
@@ -22752,20 +22849,17 @@
                     <a:bodyPr/>
                     <a:lstStyle/>
                     <a:p>
-                      <a:pPr algn="ctr" fontAlgn="b"/>
+                      <a:pPr algn="ctr" rtl="0" fontAlgn="b"/>
                       <a:r>
-                        <a:rPr lang="en-PT" sz="1200" u="none" strike="noStrike" dirty="0">
+                        <a:rPr lang="en-PT" sz="1200" b="0" i="0" u="none" strike="noStrike">
+                          <a:solidFill>
+                            <a:srgbClr val="000000"/>
+                          </a:solidFill>
                           <a:effectLst/>
+                          <a:latin typeface="Calibri" panose="020F0502020204030204" pitchFamily="34" charset="0"/>
                         </a:rPr>
-                        <a:t>0.303240</a:t>
+                        <a:t>0,303</a:t>
                       </a:r>
-                      <a:endParaRPr lang="en-PT" sz="1200" b="0" i="0" u="none" strike="noStrike" dirty="0">
-                        <a:solidFill>
-                          <a:srgbClr val="000000"/>
-                        </a:solidFill>
-                        <a:effectLst/>
-                        <a:latin typeface="Calibri" panose="020F0502020204030204" pitchFamily="34" charset="0"/>
-                      </a:endParaRPr>
                     </a:p>
                   </a:txBody>
                   <a:tcPr marL="9525" marR="9525" marT="9525" marB="0" anchor="b">
@@ -22782,20 +22876,17 @@
                     <a:bodyPr/>
                     <a:lstStyle/>
                     <a:p>
-                      <a:pPr algn="ctr" fontAlgn="b"/>
+                      <a:pPr algn="ctr" rtl="0" fontAlgn="b"/>
                       <a:r>
-                        <a:rPr lang="en-PT" sz="1200" u="none" strike="noStrike" dirty="0">
+                        <a:rPr lang="en-GB" sz="1200" b="0" i="0" u="none" strike="noStrike">
+                          <a:solidFill>
+                            <a:srgbClr val="000000"/>
+                          </a:solidFill>
                           <a:effectLst/>
+                          <a:latin typeface="Calibri" panose="020F0502020204030204" pitchFamily="34" charset="0"/>
                         </a:rPr>
-                        <a:t>31873.0229</a:t>
+                        <a:t>3,2E+04</a:t>
                       </a:r>
-                      <a:endParaRPr lang="en-PT" sz="1200" b="0" i="0" u="none" strike="noStrike" dirty="0">
-                        <a:solidFill>
-                          <a:srgbClr val="000000"/>
-                        </a:solidFill>
-                        <a:effectLst/>
-                        <a:latin typeface="Calibri" panose="020F0502020204030204" pitchFamily="34" charset="0"/>
-                      </a:endParaRPr>
                     </a:p>
                   </a:txBody>
                   <a:tcPr marL="9525" marR="9525" marT="9525" marB="0" anchor="b">
@@ -22812,20 +22903,17 @@
                     <a:bodyPr/>
                     <a:lstStyle/>
                     <a:p>
-                      <a:pPr algn="ctr" fontAlgn="b"/>
+                      <a:pPr algn="ctr" rtl="0" fontAlgn="b"/>
                       <a:r>
-                        <a:rPr lang="en-PT" sz="1200" u="none" strike="noStrike" dirty="0">
+                        <a:rPr lang="en-GB" sz="1200" b="0" i="0" u="none" strike="noStrike">
+                          <a:solidFill>
+                            <a:srgbClr val="000000"/>
+                          </a:solidFill>
                           <a:effectLst/>
+                          <a:latin typeface="Calibri" panose="020F0502020204030204" pitchFamily="34" charset="0"/>
                         </a:rPr>
-                        <a:t>0.027700</a:t>
+                        <a:t>2,8E-02</a:t>
                       </a:r>
-                      <a:endParaRPr lang="en-PT" sz="1200" b="0" i="0" u="none" strike="noStrike" dirty="0">
-                        <a:solidFill>
-                          <a:srgbClr val="000000"/>
-                        </a:solidFill>
-                        <a:effectLst/>
-                        <a:latin typeface="Calibri" panose="020F0502020204030204" pitchFamily="34" charset="0"/>
-                      </a:endParaRPr>
                     </a:p>
                   </a:txBody>
                   <a:tcPr marL="9525" marR="9525" marT="9525" marB="0" anchor="b">
@@ -22842,20 +22930,17 @@
                     <a:bodyPr/>
                     <a:lstStyle/>
                     <a:p>
-                      <a:pPr algn="ctr" fontAlgn="b"/>
+                      <a:pPr algn="ctr" rtl="0" fontAlgn="b"/>
                       <a:r>
-                        <a:rPr lang="en-PT" sz="1200" u="none" strike="noStrike" dirty="0">
+                        <a:rPr lang="en-GB" sz="1200" b="0" i="0" u="none" strike="noStrike">
+                          <a:solidFill>
+                            <a:srgbClr val="000000"/>
+                          </a:solidFill>
                           <a:effectLst/>
+                          <a:latin typeface="Calibri" panose="020F0502020204030204" pitchFamily="34" charset="0"/>
                         </a:rPr>
-                        <a:t>514.890520</a:t>
+                        <a:t>5,1E+02</a:t>
                       </a:r>
-                      <a:endParaRPr lang="en-PT" sz="1200" b="0" i="0" u="none" strike="noStrike" dirty="0">
-                        <a:solidFill>
-                          <a:srgbClr val="000000"/>
-                        </a:solidFill>
-                        <a:effectLst/>
-                        <a:latin typeface="Calibri" panose="020F0502020204030204" pitchFamily="34" charset="0"/>
-                      </a:endParaRPr>
                     </a:p>
                   </a:txBody>
                   <a:tcPr marL="9525" marR="9525" marT="9525" marB="0" anchor="b">
@@ -22872,20 +22957,17 @@
                     <a:bodyPr/>
                     <a:lstStyle/>
                     <a:p>
-                      <a:pPr algn="ctr" fontAlgn="b"/>
+                      <a:pPr algn="ctr" rtl="0" fontAlgn="b"/>
                       <a:r>
-                        <a:rPr lang="en-PT" sz="1200" u="none" strike="noStrike" dirty="0">
+                        <a:rPr lang="en-GB" sz="1200" b="0" i="0" u="none" strike="noStrike">
+                          <a:solidFill>
+                            <a:srgbClr val="000000"/>
+                          </a:solidFill>
                           <a:effectLst/>
+                          <a:latin typeface="Calibri" panose="020F0502020204030204" pitchFamily="34" charset="0"/>
                         </a:rPr>
-                        <a:t>0.53606</a:t>
+                        <a:t>5,4E-01</a:t>
                       </a:r>
-                      <a:endParaRPr lang="en-PT" sz="1200" b="0" i="0" u="none" strike="noStrike" dirty="0">
-                        <a:solidFill>
-                          <a:srgbClr val="000000"/>
-                        </a:solidFill>
-                        <a:effectLst/>
-                        <a:latin typeface="Calibri" panose="020F0502020204030204" pitchFamily="34" charset="0"/>
-                      </a:endParaRPr>
                     </a:p>
                   </a:txBody>
                   <a:tcPr marL="9525" marR="9525" marT="9525" marB="0" anchor="b">
@@ -22902,20 +22984,17 @@
                     <a:bodyPr/>
                     <a:lstStyle/>
                     <a:p>
-                      <a:pPr algn="ctr" fontAlgn="b"/>
+                      <a:pPr algn="ctr" rtl="0" fontAlgn="b"/>
                       <a:r>
-                        <a:rPr lang="en-PT" sz="1200" u="none" strike="noStrike" dirty="0">
+                        <a:rPr lang="en-GB" sz="1200" b="0" i="0" u="none" strike="noStrike">
+                          <a:solidFill>
+                            <a:srgbClr val="000000"/>
+                          </a:solidFill>
                           <a:effectLst/>
+                          <a:latin typeface="Calibri" panose="020F0502020204030204" pitchFamily="34" charset="0"/>
                         </a:rPr>
-                        <a:t>98.970680</a:t>
+                        <a:t>9,9E+01</a:t>
                       </a:r>
-                      <a:endParaRPr lang="en-PT" sz="1200" b="0" i="0" u="none" strike="noStrike" dirty="0">
-                        <a:solidFill>
-                          <a:srgbClr val="000000"/>
-                        </a:solidFill>
-                        <a:effectLst/>
-                        <a:latin typeface="Calibri" panose="020F0502020204030204" pitchFamily="34" charset="0"/>
-                      </a:endParaRPr>
                     </a:p>
                   </a:txBody>
                   <a:tcPr marL="9525" marR="9525" marT="9525" marB="0" anchor="b">
@@ -22932,20 +23011,17 @@
                     <a:bodyPr/>
                     <a:lstStyle/>
                     <a:p>
-                      <a:pPr algn="ctr" fontAlgn="b"/>
+                      <a:pPr algn="ctr" rtl="0" fontAlgn="b"/>
                       <a:r>
-                        <a:rPr lang="en-PT" sz="1200" u="none" strike="noStrike" dirty="0">
+                        <a:rPr lang="en-GB" sz="1200" b="0" i="0" u="none" strike="noStrike" dirty="0">
+                          <a:solidFill>
+                            <a:srgbClr val="000000"/>
+                          </a:solidFill>
                           <a:effectLst/>
+                          <a:latin typeface="Calibri" panose="020F0502020204030204" pitchFamily="34" charset="0"/>
                         </a:rPr>
-                        <a:t>0.09292</a:t>
+                        <a:t>9,3E-02</a:t>
                       </a:r>
-                      <a:endParaRPr lang="en-PT" sz="1200" b="0" i="0" u="none" strike="noStrike" dirty="0">
-                        <a:solidFill>
-                          <a:srgbClr val="000000"/>
-                        </a:solidFill>
-                        <a:effectLst/>
-                        <a:latin typeface="Calibri" panose="020F0502020204030204" pitchFamily="34" charset="0"/>
-                      </a:endParaRPr>
                     </a:p>
                   </a:txBody>
                   <a:tcPr marL="9525" marR="9525" marT="9525" marB="0" anchor="b">
@@ -22982,7 +23058,7 @@
           <p:nvPr>
             <p:extLst>
               <p:ext uri="{D42A27DB-BD31-4B8C-83A1-F6EECF244321}">
-                <p14:modId xmlns:p14="http://schemas.microsoft.com/office/powerpoint/2010/main" val="3535223323"/>
+                <p14:modId xmlns:p14="http://schemas.microsoft.com/office/powerpoint/2010/main" val="2578944077"/>
               </p:ext>
             </p:extLst>
           </p:nvPr>
@@ -23308,20 +23384,17 @@
                     <a:bodyPr/>
                     <a:lstStyle/>
                     <a:p>
-                      <a:pPr algn="ctr" fontAlgn="b"/>
+                      <a:pPr algn="ctr" rtl="0" fontAlgn="b"/>
                       <a:r>
-                        <a:rPr lang="en-PT" sz="1200" u="none" strike="noStrike" dirty="0">
+                        <a:rPr lang="en-PT" sz="1200" b="0" i="0" u="none" strike="noStrike">
+                          <a:solidFill>
+                            <a:srgbClr val="000000"/>
+                          </a:solidFill>
                           <a:effectLst/>
+                          <a:latin typeface="Calibri" panose="020F0502020204030204" pitchFamily="34" charset="0"/>
                         </a:rPr>
-                        <a:t>0.997380</a:t>
+                        <a:t>0,997</a:t>
                       </a:r>
-                      <a:endParaRPr lang="en-PT" sz="1200" b="0" i="0" u="none" strike="noStrike" dirty="0">
-                        <a:solidFill>
-                          <a:srgbClr val="000000"/>
-                        </a:solidFill>
-                        <a:effectLst/>
-                        <a:latin typeface="Calibri" panose="020F0502020204030204" pitchFamily="34" charset="0"/>
-                      </a:endParaRPr>
                     </a:p>
                   </a:txBody>
                   <a:tcPr marL="9525" marR="9525" marT="9525" marB="0" anchor="b">
@@ -23338,20 +23411,17 @@
                     <a:bodyPr/>
                     <a:lstStyle/>
                     <a:p>
-                      <a:pPr algn="ctr" fontAlgn="b"/>
+                      <a:pPr algn="ctr" rtl="0" fontAlgn="b"/>
                       <a:r>
-                        <a:rPr lang="en-PT" sz="1200" u="none" strike="noStrike" dirty="0">
+                        <a:rPr lang="en-PT" sz="1200" b="0" i="0" u="none" strike="noStrike">
+                          <a:solidFill>
+                            <a:srgbClr val="000000"/>
+                          </a:solidFill>
                           <a:effectLst/>
+                          <a:latin typeface="Calibri" panose="020F0502020204030204" pitchFamily="34" charset="0"/>
                         </a:rPr>
-                        <a:t>0.994880</a:t>
+                        <a:t>0,995</a:t>
                       </a:r>
-                      <a:endParaRPr lang="en-PT" sz="1200" b="0" i="0" u="none" strike="noStrike" dirty="0">
-                        <a:solidFill>
-                          <a:srgbClr val="000000"/>
-                        </a:solidFill>
-                        <a:effectLst/>
-                        <a:latin typeface="Calibri" panose="020F0502020204030204" pitchFamily="34" charset="0"/>
-                      </a:endParaRPr>
                     </a:p>
                   </a:txBody>
                   <a:tcPr marL="9525" marR="9525" marT="9525" marB="0" anchor="b">
@@ -23368,20 +23438,17 @@
                     <a:bodyPr/>
                     <a:lstStyle/>
                     <a:p>
-                      <a:pPr algn="ctr" fontAlgn="b"/>
+                      <a:pPr algn="ctr" rtl="0" fontAlgn="b"/>
                       <a:r>
-                        <a:rPr lang="en-PT" sz="1200" u="none" strike="noStrike" dirty="0">
+                        <a:rPr lang="en-GB" sz="1200" b="0" i="0" u="none" strike="noStrike">
+                          <a:solidFill>
+                            <a:srgbClr val="000000"/>
+                          </a:solidFill>
                           <a:effectLst/>
+                          <a:latin typeface="Calibri" panose="020F0502020204030204" pitchFamily="34" charset="0"/>
                         </a:rPr>
-                        <a:t>363.162860</a:t>
+                        <a:t>3,6E+02</a:t>
                       </a:r>
-                      <a:endParaRPr lang="en-PT" sz="1200" b="0" i="0" u="none" strike="noStrike" dirty="0">
-                        <a:solidFill>
-                          <a:srgbClr val="000000"/>
-                        </a:solidFill>
-                        <a:effectLst/>
-                        <a:latin typeface="Calibri" panose="020F0502020204030204" pitchFamily="34" charset="0"/>
-                      </a:endParaRPr>
                     </a:p>
                   </a:txBody>
                   <a:tcPr marL="9525" marR="9525" marT="9525" marB="0" anchor="b">
@@ -23398,20 +23465,17 @@
                     <a:bodyPr/>
                     <a:lstStyle/>
                     <a:p>
-                      <a:pPr algn="ctr" fontAlgn="b"/>
+                      <a:pPr algn="ctr" rtl="0" fontAlgn="b"/>
                       <a:r>
-                        <a:rPr lang="en-PT" sz="1200" u="none" strike="noStrike" dirty="0">
+                        <a:rPr lang="en-GB" sz="1200" b="0" i="0" u="none" strike="noStrike">
+                          <a:solidFill>
+                            <a:srgbClr val="000000"/>
+                          </a:solidFill>
                           <a:effectLst/>
+                          <a:latin typeface="Calibri" panose="020F0502020204030204" pitchFamily="34" charset="0"/>
                         </a:rPr>
-                        <a:t>0.000080</a:t>
+                        <a:t>8,0E-05</a:t>
                       </a:r>
-                      <a:endParaRPr lang="en-PT" sz="1200" b="0" i="0" u="none" strike="noStrike" dirty="0">
-                        <a:solidFill>
-                          <a:srgbClr val="000000"/>
-                        </a:solidFill>
-                        <a:effectLst/>
-                        <a:latin typeface="Calibri" panose="020F0502020204030204" pitchFamily="34" charset="0"/>
-                      </a:endParaRPr>
                     </a:p>
                   </a:txBody>
                   <a:tcPr marL="9525" marR="9525" marT="9525" marB="0" anchor="b">
@@ -23428,20 +23492,17 @@
                     <a:bodyPr/>
                     <a:lstStyle/>
                     <a:p>
-                      <a:pPr algn="ctr" fontAlgn="b"/>
+                      <a:pPr algn="ctr" rtl="0" fontAlgn="b"/>
                       <a:r>
-                        <a:rPr lang="en-PT" sz="1200" u="none" strike="noStrike" dirty="0">
+                        <a:rPr lang="en-GB" sz="1200" b="0" i="0" u="none" strike="noStrike">
+                          <a:solidFill>
+                            <a:srgbClr val="000000"/>
+                          </a:solidFill>
                           <a:effectLst/>
+                          <a:latin typeface="Calibri" panose="020F0502020204030204" pitchFamily="34" charset="0"/>
                         </a:rPr>
-                        <a:t>165.266440</a:t>
+                        <a:t>1,7E+02</a:t>
                       </a:r>
-                      <a:endParaRPr lang="en-PT" sz="1200" b="0" i="0" u="none" strike="noStrike" dirty="0">
-                        <a:solidFill>
-                          <a:srgbClr val="000000"/>
-                        </a:solidFill>
-                        <a:effectLst/>
-                        <a:latin typeface="Calibri" panose="020F0502020204030204" pitchFamily="34" charset="0"/>
-                      </a:endParaRPr>
                     </a:p>
                   </a:txBody>
                   <a:tcPr marL="9525" marR="9525" marT="9525" marB="0" anchor="b">
@@ -23458,20 +23519,17 @@
                     <a:bodyPr/>
                     <a:lstStyle/>
                     <a:p>
-                      <a:pPr algn="ctr" fontAlgn="b"/>
+                      <a:pPr algn="ctr" rtl="0" fontAlgn="b"/>
                       <a:r>
-                        <a:rPr lang="en-PT" sz="1200" u="none" strike="noStrike" dirty="0">
+                        <a:rPr lang="en-GB" sz="1200" b="0" i="0" u="none" strike="noStrike">
+                          <a:solidFill>
+                            <a:srgbClr val="000000"/>
+                          </a:solidFill>
                           <a:effectLst/>
+                          <a:latin typeface="Calibri" panose="020F0502020204030204" pitchFamily="34" charset="0"/>
                         </a:rPr>
-                        <a:t>0.085500</a:t>
+                        <a:t>8,6E-02</a:t>
                       </a:r>
-                      <a:endParaRPr lang="en-PT" sz="1200" b="0" i="0" u="none" strike="noStrike" dirty="0">
-                        <a:solidFill>
-                          <a:srgbClr val="000000"/>
-                        </a:solidFill>
-                        <a:effectLst/>
-                        <a:latin typeface="Calibri" panose="020F0502020204030204" pitchFamily="34" charset="0"/>
-                      </a:endParaRPr>
                     </a:p>
                   </a:txBody>
                   <a:tcPr marL="9525" marR="9525" marT="9525" marB="0" anchor="b">
@@ -23488,20 +23546,17 @@
                     <a:bodyPr/>
                     <a:lstStyle/>
                     <a:p>
-                      <a:pPr algn="ctr" fontAlgn="b"/>
+                      <a:pPr algn="ctr" rtl="0" fontAlgn="b"/>
                       <a:r>
-                        <a:rPr lang="en-PT" sz="1200" u="none" strike="noStrike" dirty="0">
+                        <a:rPr lang="en-GB" sz="1200" b="0" i="0" u="none" strike="noStrike">
+                          <a:solidFill>
+                            <a:srgbClr val="000000"/>
+                          </a:solidFill>
                           <a:effectLst/>
+                          <a:latin typeface="Calibri" panose="020F0502020204030204" pitchFamily="34" charset="0"/>
                         </a:rPr>
-                        <a:t>6.73904</a:t>
+                        <a:t>6,7E+00</a:t>
                       </a:r>
-                      <a:endParaRPr lang="en-PT" sz="1200" b="0" i="0" u="none" strike="noStrike" dirty="0">
-                        <a:solidFill>
-                          <a:srgbClr val="000000"/>
-                        </a:solidFill>
-                        <a:effectLst/>
-                        <a:latin typeface="Calibri" panose="020F0502020204030204" pitchFamily="34" charset="0"/>
-                      </a:endParaRPr>
                     </a:p>
                   </a:txBody>
                   <a:tcPr marL="9525" marR="9525" marT="9525" marB="0" anchor="b">
@@ -23518,20 +23573,17 @@
                     <a:bodyPr/>
                     <a:lstStyle/>
                     <a:p>
-                      <a:pPr algn="ctr" fontAlgn="b"/>
+                      <a:pPr algn="ctr" rtl="0" fontAlgn="b"/>
                       <a:r>
-                        <a:rPr lang="en-PT" sz="1200" u="none" strike="noStrike" dirty="0">
+                        <a:rPr lang="en-GB" sz="1200" b="0" i="0" u="none" strike="noStrike" dirty="0">
+                          <a:solidFill>
+                            <a:srgbClr val="000000"/>
+                          </a:solidFill>
                           <a:effectLst/>
+                          <a:latin typeface="Calibri" panose="020F0502020204030204" pitchFamily="34" charset="0"/>
                         </a:rPr>
-                        <a:t>0.003520</a:t>
+                        <a:t>3,5E-03</a:t>
                       </a:r>
-                      <a:endParaRPr lang="en-PT" sz="1200" b="0" i="0" u="none" strike="noStrike" dirty="0">
-                        <a:solidFill>
-                          <a:srgbClr val="000000"/>
-                        </a:solidFill>
-                        <a:effectLst/>
-                        <a:latin typeface="Calibri" panose="020F0502020204030204" pitchFamily="34" charset="0"/>
-                      </a:endParaRPr>
                     </a:p>
                   </a:txBody>
                   <a:tcPr marL="9525" marR="9525" marT="9525" marB="0" anchor="b">
@@ -23568,7 +23620,7 @@
           <p:nvPr>
             <p:extLst>
               <p:ext uri="{D42A27DB-BD31-4B8C-83A1-F6EECF244321}">
-                <p14:modId xmlns:p14="http://schemas.microsoft.com/office/powerpoint/2010/main" val="4137158980"/>
+                <p14:modId xmlns:p14="http://schemas.microsoft.com/office/powerpoint/2010/main" val="1924583414"/>
               </p:ext>
             </p:extLst>
           </p:nvPr>
@@ -23894,20 +23946,17 @@
                     <a:bodyPr/>
                     <a:lstStyle/>
                     <a:p>
-                      <a:pPr algn="ctr" fontAlgn="b"/>
+                      <a:pPr algn="ctr" rtl="0" fontAlgn="b"/>
                       <a:r>
-                        <a:rPr lang="en-PT" sz="1200" u="none" strike="noStrike" dirty="0">
+                        <a:rPr lang="en-PT" sz="1200" b="0" i="0" u="none" strike="noStrike">
+                          <a:solidFill>
+                            <a:srgbClr val="000000"/>
+                          </a:solidFill>
                           <a:effectLst/>
+                          <a:latin typeface="Calibri" panose="020F0502020204030204" pitchFamily="34" charset="0"/>
                         </a:rPr>
-                        <a:t>-0.551820</a:t>
+                        <a:t>-0,552</a:t>
                       </a:r>
-                      <a:endParaRPr lang="en-PT" sz="1200" b="0" i="0" u="none" strike="noStrike" dirty="0">
-                        <a:solidFill>
-                          <a:srgbClr val="000000"/>
-                        </a:solidFill>
-                        <a:effectLst/>
-                        <a:latin typeface="Calibri" panose="020F0502020204030204" pitchFamily="34" charset="0"/>
-                      </a:endParaRPr>
                     </a:p>
                   </a:txBody>
                   <a:tcPr marL="9525" marR="9525" marT="9525" marB="0" anchor="b">
@@ -23924,20 +23973,17 @@
                     <a:bodyPr/>
                     <a:lstStyle/>
                     <a:p>
-                      <a:pPr algn="ctr" fontAlgn="b"/>
+                      <a:pPr algn="ctr" rtl="0" fontAlgn="b"/>
                       <a:r>
-                        <a:rPr lang="en-PT" sz="1200" u="none" strike="noStrike" dirty="0">
+                        <a:rPr lang="en-PT" sz="1200" b="0" i="0" u="none" strike="noStrike">
+                          <a:solidFill>
+                            <a:srgbClr val="000000"/>
+                          </a:solidFill>
                           <a:effectLst/>
+                          <a:latin typeface="Calibri" panose="020F0502020204030204" pitchFamily="34" charset="0"/>
                         </a:rPr>
-                        <a:t>0.84422</a:t>
+                        <a:t>0,844</a:t>
                       </a:r>
-                      <a:endParaRPr lang="en-PT" sz="1200" b="0" i="0" u="none" strike="noStrike" dirty="0">
-                        <a:solidFill>
-                          <a:srgbClr val="000000"/>
-                        </a:solidFill>
-                        <a:effectLst/>
-                        <a:latin typeface="Calibri" panose="020F0502020204030204" pitchFamily="34" charset="0"/>
-                      </a:endParaRPr>
                     </a:p>
                   </a:txBody>
                   <a:tcPr marL="9525" marR="9525" marT="9525" marB="0" anchor="b">
@@ -23954,20 +24000,17 @@
                     <a:bodyPr/>
                     <a:lstStyle/>
                     <a:p>
-                      <a:pPr algn="ctr" fontAlgn="b"/>
+                      <a:pPr algn="ctr" rtl="0" fontAlgn="b"/>
                       <a:r>
-                        <a:rPr lang="en-PT" sz="1200" u="none" strike="noStrike" dirty="0">
+                        <a:rPr lang="en-GB" sz="1200" b="0" i="0" u="none" strike="noStrike">
+                          <a:solidFill>
+                            <a:srgbClr val="000000"/>
+                          </a:solidFill>
                           <a:effectLst/>
+                          <a:latin typeface="Calibri" panose="020F0502020204030204" pitchFamily="34" charset="0"/>
                         </a:rPr>
-                        <a:t>9680.8268</a:t>
+                        <a:t>9,7E+03</a:t>
                       </a:r>
-                      <a:endParaRPr lang="en-PT" sz="1200" b="0" i="0" u="none" strike="noStrike" dirty="0">
-                        <a:solidFill>
-                          <a:srgbClr val="000000"/>
-                        </a:solidFill>
-                        <a:effectLst/>
-                        <a:latin typeface="Calibri" panose="020F0502020204030204" pitchFamily="34" charset="0"/>
-                      </a:endParaRPr>
                     </a:p>
                   </a:txBody>
                   <a:tcPr marL="9525" marR="9525" marT="9525" marB="0" anchor="b">
@@ -23984,20 +24027,17 @@
                     <a:bodyPr/>
                     <a:lstStyle/>
                     <a:p>
-                      <a:pPr algn="ctr" fontAlgn="b"/>
+                      <a:pPr algn="ctr" rtl="0" fontAlgn="b"/>
                       <a:r>
-                        <a:rPr lang="en-PT" sz="1200" u="none" strike="noStrike" dirty="0">
+                        <a:rPr lang="en-GB" sz="1200" b="0" i="0" u="none" strike="noStrike">
+                          <a:solidFill>
+                            <a:srgbClr val="000000"/>
+                          </a:solidFill>
                           <a:effectLst/>
+                          <a:latin typeface="Calibri" panose="020F0502020204030204" pitchFamily="34" charset="0"/>
                         </a:rPr>
-                        <a:t>0.006440</a:t>
+                        <a:t>6,4E-03</a:t>
                       </a:r>
-                      <a:endParaRPr lang="en-PT" sz="1200" b="0" i="0" u="none" strike="noStrike" dirty="0">
-                        <a:solidFill>
-                          <a:srgbClr val="000000"/>
-                        </a:solidFill>
-                        <a:effectLst/>
-                        <a:latin typeface="Calibri" panose="020F0502020204030204" pitchFamily="34" charset="0"/>
-                      </a:endParaRPr>
                     </a:p>
                   </a:txBody>
                   <a:tcPr marL="9525" marR="9525" marT="9525" marB="0" anchor="b">
@@ -24014,20 +24054,17 @@
                     <a:bodyPr/>
                     <a:lstStyle/>
                     <a:p>
-                      <a:pPr algn="ctr" fontAlgn="b"/>
+                      <a:pPr algn="ctr" rtl="0" fontAlgn="b"/>
                       <a:r>
-                        <a:rPr lang="en-PT" sz="1200" u="none" strike="noStrike" dirty="0">
+                        <a:rPr lang="en-GB" sz="1200" b="0" i="0" u="none" strike="noStrike">
+                          <a:solidFill>
+                            <a:srgbClr val="000000"/>
+                          </a:solidFill>
                           <a:effectLst/>
+                          <a:latin typeface="Calibri" panose="020F0502020204030204" pitchFamily="34" charset="0"/>
                         </a:rPr>
-                        <a:t>361.173480</a:t>
+                        <a:t>3,6E+02</a:t>
                       </a:r>
-                      <a:endParaRPr lang="en-PT" sz="1200" b="0" i="0" u="none" strike="noStrike" dirty="0">
-                        <a:solidFill>
-                          <a:srgbClr val="000000"/>
-                        </a:solidFill>
-                        <a:effectLst/>
-                        <a:latin typeface="Calibri" panose="020F0502020204030204" pitchFamily="34" charset="0"/>
-                      </a:endParaRPr>
                     </a:p>
                   </a:txBody>
                   <a:tcPr marL="9525" marR="9525" marT="9525" marB="0" anchor="b">
@@ -24044,20 +24081,17 @@
                     <a:bodyPr/>
                     <a:lstStyle/>
                     <a:p>
-                      <a:pPr algn="ctr" fontAlgn="b"/>
+                      <a:pPr algn="ctr" rtl="0" fontAlgn="b"/>
                       <a:r>
-                        <a:rPr lang="en-PT" sz="1200" u="none" strike="noStrike" dirty="0">
+                        <a:rPr lang="en-GB" sz="1200" b="0" i="0" u="none" strike="noStrike">
+                          <a:solidFill>
+                            <a:srgbClr val="000000"/>
+                          </a:solidFill>
                           <a:effectLst/>
+                          <a:latin typeface="Calibri" panose="020F0502020204030204" pitchFamily="34" charset="0"/>
                         </a:rPr>
-                        <a:t>0.280440</a:t>
+                        <a:t>2,8E-01</a:t>
                       </a:r>
-                      <a:endParaRPr lang="en-PT" sz="1200" b="0" i="0" u="none" strike="noStrike" dirty="0">
-                        <a:solidFill>
-                          <a:srgbClr val="000000"/>
-                        </a:solidFill>
-                        <a:effectLst/>
-                        <a:latin typeface="Calibri" panose="020F0502020204030204" pitchFamily="34" charset="0"/>
-                      </a:endParaRPr>
                     </a:p>
                   </a:txBody>
                   <a:tcPr marL="9525" marR="9525" marT="9525" marB="0" anchor="b">
@@ -24074,20 +24108,17 @@
                     <a:bodyPr/>
                     <a:lstStyle/>
                     <a:p>
-                      <a:pPr algn="ctr" fontAlgn="b"/>
+                      <a:pPr algn="ctr" rtl="0" fontAlgn="b"/>
                       <a:r>
-                        <a:rPr lang="en-PT" sz="1200" u="none" strike="noStrike" dirty="0">
+                        <a:rPr lang="en-GB" sz="1200" b="0" i="0" u="none" strike="noStrike">
+                          <a:solidFill>
+                            <a:srgbClr val="000000"/>
+                          </a:solidFill>
                           <a:effectLst/>
+                          <a:latin typeface="Calibri" panose="020F0502020204030204" pitchFamily="34" charset="0"/>
                         </a:rPr>
-                        <a:t>42.183340</a:t>
+                        <a:t>4,2E+01</a:t>
                       </a:r>
-                      <a:endParaRPr lang="en-PT" sz="1200" b="0" i="0" u="none" strike="noStrike" dirty="0">
-                        <a:solidFill>
-                          <a:srgbClr val="000000"/>
-                        </a:solidFill>
-                        <a:effectLst/>
-                        <a:latin typeface="Calibri" panose="020F0502020204030204" pitchFamily="34" charset="0"/>
-                      </a:endParaRPr>
                     </a:p>
                   </a:txBody>
                   <a:tcPr marL="9525" marR="9525" marT="9525" marB="0" anchor="b">
@@ -24104,20 +24135,17 @@
                     <a:bodyPr/>
                     <a:lstStyle/>
                     <a:p>
-                      <a:pPr algn="ctr" fontAlgn="b"/>
+                      <a:pPr algn="ctr" rtl="0" fontAlgn="b"/>
                       <a:r>
-                        <a:rPr lang="en-PT" sz="1200" u="none" strike="noStrike" dirty="0">
+                        <a:rPr lang="en-GB" sz="1200" b="0" i="0" u="none" strike="noStrike" dirty="0">
+                          <a:solidFill>
+                            <a:srgbClr val="000000"/>
+                          </a:solidFill>
                           <a:effectLst/>
+                          <a:latin typeface="Calibri" panose="020F0502020204030204" pitchFamily="34" charset="0"/>
                         </a:rPr>
-                        <a:t>0.040040</a:t>
+                        <a:t>4,0E-02</a:t>
                       </a:r>
-                      <a:endParaRPr lang="en-PT" sz="1200" b="0" i="0" u="none" strike="noStrike" dirty="0">
-                        <a:solidFill>
-                          <a:srgbClr val="000000"/>
-                        </a:solidFill>
-                        <a:effectLst/>
-                        <a:latin typeface="Calibri" panose="020F0502020204030204" pitchFamily="34" charset="0"/>
-                      </a:endParaRPr>
                     </a:p>
                   </a:txBody>
                   <a:tcPr marL="9525" marR="9525" marT="9525" marB="0" anchor="b">
@@ -24571,7 +24599,7 @@
                 <a:latin typeface="Optima" panose="02000503060000020004" pitchFamily="2" charset="0"/>
                 <a:cs typeface="Berlin Sans FB" panose="020F0502020204030204" pitchFamily="34" charset="0"/>
               </a:rPr>
-              <a:t>set de test</a:t>
+              <a:t>set de teste</a:t>
             </a:r>
             <a:endParaRPr lang="en-GB" sz="1400" dirty="0">
               <a:latin typeface="Optima" panose="02000503060000020004" pitchFamily="2" charset="0"/>
@@ -24676,7 +24704,7 @@
                 <a:latin typeface="Optima" panose="02000503060000020004" pitchFamily="2" charset="0"/>
                 <a:cs typeface="Berlin Sans FB" panose="020F0502020204030204" pitchFamily="34" charset="0"/>
               </a:rPr>
-              <a:t>set de test</a:t>
+              <a:t>set de teste</a:t>
             </a:r>
             <a:r>
               <a:rPr lang="en-PT" sz="1400" dirty="0">
@@ -28527,7 +28555,7 @@
           <p:nvPr>
             <p:extLst>
               <p:ext uri="{D42A27DB-BD31-4B8C-83A1-F6EECF244321}">
-                <p14:modId xmlns:p14="http://schemas.microsoft.com/office/powerpoint/2010/main" val="195069868"/>
+                <p14:modId xmlns:p14="http://schemas.microsoft.com/office/powerpoint/2010/main" val="434976584"/>
               </p:ext>
             </p:extLst>
           </p:nvPr>
@@ -28853,20 +28881,17 @@
                     <a:bodyPr/>
                     <a:lstStyle/>
                     <a:p>
-                      <a:pPr algn="ctr" fontAlgn="b"/>
+                      <a:pPr algn="ctr" rtl="0" fontAlgn="b"/>
                       <a:r>
-                        <a:rPr lang="en-PT" sz="1200" u="none" strike="noStrike" dirty="0">
+                        <a:rPr lang="en-PT" sz="1200" b="0" i="0" u="none" strike="noStrike">
+                          <a:solidFill>
+                            <a:srgbClr val="000000"/>
+                          </a:solidFill>
                           <a:effectLst/>
+                          <a:latin typeface="Calibri" panose="020F0502020204030204" pitchFamily="34" charset="0"/>
                         </a:rPr>
-                        <a:t>0.993175</a:t>
+                        <a:t>0,993</a:t>
                       </a:r>
-                      <a:endParaRPr lang="en-PT" sz="1200" b="0" i="0" u="none" strike="noStrike" dirty="0">
-                        <a:solidFill>
-                          <a:srgbClr val="000000"/>
-                        </a:solidFill>
-                        <a:effectLst/>
-                        <a:latin typeface="Calibri" panose="020F0502020204030204" pitchFamily="34" charset="0"/>
-                      </a:endParaRPr>
                     </a:p>
                   </a:txBody>
                   <a:tcPr marL="9525" marR="9525" marT="9525" marB="0" anchor="b">
@@ -28883,20 +28908,17 @@
                     <a:bodyPr/>
                     <a:lstStyle/>
                     <a:p>
-                      <a:pPr algn="ctr" fontAlgn="b"/>
+                      <a:pPr algn="ctr" rtl="0" fontAlgn="b"/>
                       <a:r>
-                        <a:rPr lang="en-PT" sz="1200" u="none" strike="noStrike" dirty="0">
+                        <a:rPr lang="en-PT" sz="1200" b="0" i="0" u="none" strike="noStrike">
+                          <a:solidFill>
+                            <a:srgbClr val="000000"/>
+                          </a:solidFill>
                           <a:effectLst/>
+                          <a:latin typeface="Calibri" panose="020F0502020204030204" pitchFamily="34" charset="0"/>
                         </a:rPr>
-                        <a:t>0.974350</a:t>
+                        <a:t>0,974</a:t>
                       </a:r>
-                      <a:endParaRPr lang="en-PT" sz="1200" b="0" i="0" u="none" strike="noStrike" dirty="0">
-                        <a:solidFill>
-                          <a:srgbClr val="000000"/>
-                        </a:solidFill>
-                        <a:effectLst/>
-                        <a:latin typeface="Calibri" panose="020F0502020204030204" pitchFamily="34" charset="0"/>
-                      </a:endParaRPr>
                     </a:p>
                   </a:txBody>
                   <a:tcPr marL="9525" marR="9525" marT="9525" marB="0" anchor="b">
@@ -28913,20 +28935,17 @@
                     <a:bodyPr/>
                     <a:lstStyle/>
                     <a:p>
-                      <a:pPr algn="ctr" fontAlgn="b"/>
+                      <a:pPr algn="ctr" rtl="0" fontAlgn="b"/>
                       <a:r>
-                        <a:rPr lang="en-PT" sz="1200" u="none" strike="noStrike" dirty="0">
+                        <a:rPr lang="en-GB" sz="1200" b="0" i="0" u="none" strike="noStrike">
+                          <a:solidFill>
+                            <a:srgbClr val="000000"/>
+                          </a:solidFill>
                           <a:effectLst/>
+                          <a:latin typeface="Calibri" panose="020F0502020204030204" pitchFamily="34" charset="0"/>
                         </a:rPr>
-                        <a:t>1954.76387</a:t>
+                        <a:t>2,0E+03</a:t>
                       </a:r>
-                      <a:endParaRPr lang="en-PT" sz="1200" b="0" i="0" u="none" strike="noStrike" dirty="0">
-                        <a:solidFill>
-                          <a:srgbClr val="000000"/>
-                        </a:solidFill>
-                        <a:effectLst/>
-                        <a:latin typeface="Calibri" panose="020F0502020204030204" pitchFamily="34" charset="0"/>
-                      </a:endParaRPr>
                     </a:p>
                   </a:txBody>
                   <a:tcPr marL="9525" marR="9525" marT="9525" marB="0" anchor="b">
@@ -28943,20 +28962,17 @@
                     <a:bodyPr/>
                     <a:lstStyle/>
                     <a:p>
-                      <a:pPr algn="ctr" fontAlgn="b"/>
+                      <a:pPr algn="ctr" rtl="0" fontAlgn="b"/>
                       <a:r>
-                        <a:rPr lang="en-PT" sz="1200" u="none" strike="noStrike" dirty="0">
+                        <a:rPr lang="en-GB" sz="1200" b="0" i="0" u="none" strike="noStrike">
+                          <a:solidFill>
+                            <a:srgbClr val="000000"/>
+                          </a:solidFill>
                           <a:effectLst/>
+                          <a:latin typeface="Calibri" panose="020F0502020204030204" pitchFamily="34" charset="0"/>
                         </a:rPr>
-                        <a:t>0.000950</a:t>
+                        <a:t>9,5E-04</a:t>
                       </a:r>
-                      <a:endParaRPr lang="en-PT" sz="1200" b="0" i="0" u="none" strike="noStrike" dirty="0">
-                        <a:solidFill>
-                          <a:srgbClr val="000000"/>
-                        </a:solidFill>
-                        <a:effectLst/>
-                        <a:latin typeface="Calibri" panose="020F0502020204030204" pitchFamily="34" charset="0"/>
-                      </a:endParaRPr>
                     </a:p>
                   </a:txBody>
                   <a:tcPr marL="9525" marR="9525" marT="9525" marB="0" anchor="b">
@@ -28973,20 +28989,17 @@
                     <a:bodyPr/>
                     <a:lstStyle/>
                     <a:p>
-                      <a:pPr algn="ctr" fontAlgn="b"/>
+                      <a:pPr algn="ctr" rtl="0" fontAlgn="b"/>
                       <a:r>
-                        <a:rPr lang="en-PT" sz="1200" u="none" strike="noStrike" dirty="0">
+                        <a:rPr lang="en-GB" sz="1200" b="0" i="0" u="none" strike="noStrike">
+                          <a:solidFill>
+                            <a:srgbClr val="000000"/>
+                          </a:solidFill>
                           <a:effectLst/>
+                          <a:latin typeface="Calibri" panose="020F0502020204030204" pitchFamily="34" charset="0"/>
                         </a:rPr>
-                        <a:t>206.351775</a:t>
+                        <a:t>2,1E+02</a:t>
                       </a:r>
-                      <a:endParaRPr lang="en-PT" sz="1200" b="0" i="0" u="none" strike="noStrike" dirty="0">
-                        <a:solidFill>
-                          <a:srgbClr val="000000"/>
-                        </a:solidFill>
-                        <a:effectLst/>
-                        <a:latin typeface="Calibri" panose="020F0502020204030204" pitchFamily="34" charset="0"/>
-                      </a:endParaRPr>
                     </a:p>
                   </a:txBody>
                   <a:tcPr marL="9525" marR="9525" marT="9525" marB="0" anchor="b">
@@ -29003,20 +29016,17 @@
                     <a:bodyPr/>
                     <a:lstStyle/>
                     <a:p>
-                      <a:pPr algn="ctr" fontAlgn="b"/>
+                      <a:pPr algn="ctr" rtl="0" fontAlgn="b"/>
                       <a:r>
-                        <a:rPr lang="en-PT" sz="1200" u="none" strike="noStrike" dirty="0">
+                        <a:rPr lang="en-GB" sz="1200" b="0" i="0" u="none" strike="noStrike">
+                          <a:solidFill>
+                            <a:srgbClr val="000000"/>
+                          </a:solidFill>
                           <a:effectLst/>
+                          <a:latin typeface="Calibri" panose="020F0502020204030204" pitchFamily="34" charset="0"/>
                         </a:rPr>
-                        <a:t>0.097800</a:t>
+                        <a:t>9,8E-02</a:t>
                       </a:r>
-                      <a:endParaRPr lang="en-PT" sz="1200" b="0" i="0" u="none" strike="noStrike" dirty="0">
-                        <a:solidFill>
-                          <a:srgbClr val="000000"/>
-                        </a:solidFill>
-                        <a:effectLst/>
-                        <a:latin typeface="Calibri" panose="020F0502020204030204" pitchFamily="34" charset="0"/>
-                      </a:endParaRPr>
                     </a:p>
                   </a:txBody>
                   <a:tcPr marL="9525" marR="9525" marT="9525" marB="0" anchor="b">
@@ -29033,20 +29043,17 @@
                     <a:bodyPr/>
                     <a:lstStyle/>
                     <a:p>
-                      <a:pPr algn="ctr" fontAlgn="b"/>
+                      <a:pPr algn="ctr" rtl="0" fontAlgn="b"/>
                       <a:r>
-                        <a:rPr lang="en-PT" sz="1200" u="none" strike="noStrike" dirty="0">
+                        <a:rPr lang="en-GB" sz="1200" b="0" i="0" u="none" strike="noStrike">
+                          <a:solidFill>
+                            <a:srgbClr val="000000"/>
+                          </a:solidFill>
                           <a:effectLst/>
+                          <a:latin typeface="Calibri" panose="020F0502020204030204" pitchFamily="34" charset="0"/>
                         </a:rPr>
-                        <a:t>15.181150</a:t>
+                        <a:t>1,5E+01</a:t>
                       </a:r>
-                      <a:endParaRPr lang="en-PT" sz="1200" b="0" i="0" u="none" strike="noStrike" dirty="0">
-                        <a:solidFill>
-                          <a:srgbClr val="000000"/>
-                        </a:solidFill>
-                        <a:effectLst/>
-                        <a:latin typeface="Calibri" panose="020F0502020204030204" pitchFamily="34" charset="0"/>
-                      </a:endParaRPr>
                     </a:p>
                   </a:txBody>
                   <a:tcPr marL="9525" marR="9525" marT="9525" marB="0" anchor="b">
@@ -29063,20 +29070,17 @@
                     <a:bodyPr/>
                     <a:lstStyle/>
                     <a:p>
-                      <a:pPr algn="ctr" fontAlgn="b"/>
+                      <a:pPr algn="ctr" rtl="0" fontAlgn="b"/>
                       <a:r>
-                        <a:rPr lang="en-PT" sz="1200" u="none" strike="noStrike" dirty="0">
+                        <a:rPr lang="en-GB" sz="1200" b="0" i="0" u="none" strike="noStrike" dirty="0">
+                          <a:solidFill>
+                            <a:srgbClr val="000000"/>
+                          </a:solidFill>
                           <a:effectLst/>
+                          <a:latin typeface="Calibri" panose="020F0502020204030204" pitchFamily="34" charset="0"/>
                         </a:rPr>
-                        <a:t>0.011225</a:t>
+                        <a:t>1,1E-02</a:t>
                       </a:r>
-                      <a:endParaRPr lang="en-PT" sz="1200" b="0" i="0" u="none" strike="noStrike" dirty="0">
-                        <a:solidFill>
-                          <a:srgbClr val="000000"/>
-                        </a:solidFill>
-                        <a:effectLst/>
-                        <a:latin typeface="Calibri" panose="020F0502020204030204" pitchFamily="34" charset="0"/>
-                      </a:endParaRPr>
                     </a:p>
                   </a:txBody>
                   <a:tcPr marL="9525" marR="9525" marT="9525" marB="0" anchor="b">
@@ -29113,7 +29117,7 @@
           <p:nvPr>
             <p:extLst>
               <p:ext uri="{D42A27DB-BD31-4B8C-83A1-F6EECF244321}">
-                <p14:modId xmlns:p14="http://schemas.microsoft.com/office/powerpoint/2010/main" val="3480226286"/>
+                <p14:modId xmlns:p14="http://schemas.microsoft.com/office/powerpoint/2010/main" val="3387046737"/>
               </p:ext>
             </p:extLst>
           </p:nvPr>
@@ -29439,16 +29443,16 @@
                     <a:bodyPr/>
                     <a:lstStyle/>
                     <a:p>
-                      <a:pPr algn="ctr" fontAlgn="b"/>
+                      <a:pPr algn="ctr" rtl="0" fontAlgn="b"/>
                       <a:r>
-                        <a:rPr lang="en-PT" sz="1200" b="0" i="0" u="none" strike="noStrike" dirty="0">
+                        <a:rPr lang="en-PT" sz="1200" b="0" i="0" u="none" strike="noStrike">
                           <a:solidFill>
                             <a:srgbClr val="000000"/>
                           </a:solidFill>
                           <a:effectLst/>
                           <a:latin typeface="Calibri" panose="020F0502020204030204" pitchFamily="34" charset="0"/>
                         </a:rPr>
-                        <a:t>0.831300</a:t>
+                        <a:t>0,831</a:t>
                       </a:r>
                     </a:p>
                   </a:txBody>
@@ -29466,20 +29470,17 @@
                     <a:bodyPr/>
                     <a:lstStyle/>
                     <a:p>
-                      <a:pPr algn="ctr" fontAlgn="b"/>
+                      <a:pPr algn="ctr" rtl="0" fontAlgn="b"/>
                       <a:r>
-                        <a:rPr lang="en-PT" sz="1200" u="none" strike="noStrike" dirty="0">
+                        <a:rPr lang="en-PT" sz="1200" b="0" i="0" u="none" strike="noStrike">
+                          <a:solidFill>
+                            <a:srgbClr val="000000"/>
+                          </a:solidFill>
                           <a:effectLst/>
+                          <a:latin typeface="Calibri" panose="020F0502020204030204" pitchFamily="34" charset="0"/>
                         </a:rPr>
-                        <a:t>0.900075</a:t>
+                        <a:t>0,900</a:t>
                       </a:r>
-                      <a:endParaRPr lang="en-PT" sz="1200" b="0" i="0" u="none" strike="noStrike" dirty="0">
-                        <a:solidFill>
-                          <a:srgbClr val="000000"/>
-                        </a:solidFill>
-                        <a:effectLst/>
-                        <a:latin typeface="Calibri" panose="020F0502020204030204" pitchFamily="34" charset="0"/>
-                      </a:endParaRPr>
                     </a:p>
                   </a:txBody>
                   <a:tcPr marL="9525" marR="9525" marT="9525" marB="0" anchor="b">
@@ -29496,20 +29497,17 @@
                     <a:bodyPr/>
                     <a:lstStyle/>
                     <a:p>
-                      <a:pPr algn="ctr" fontAlgn="b"/>
+                      <a:pPr algn="ctr" rtl="0" fontAlgn="b"/>
                       <a:r>
-                        <a:rPr lang="en-PT" sz="1200" u="none" strike="noStrike" dirty="0">
+                        <a:rPr lang="en-GB" sz="1200" b="0" i="0" u="none" strike="noStrike">
+                          <a:solidFill>
+                            <a:srgbClr val="000000"/>
+                          </a:solidFill>
                           <a:effectLst/>
+                          <a:latin typeface="Calibri" panose="020F0502020204030204" pitchFamily="34" charset="0"/>
                         </a:rPr>
-                        <a:t>31959.52</a:t>
+                        <a:t>3,2E+04</a:t>
                       </a:r>
-                      <a:endParaRPr lang="en-PT" sz="1200" b="0" i="0" u="none" strike="noStrike" dirty="0">
-                        <a:solidFill>
-                          <a:srgbClr val="000000"/>
-                        </a:solidFill>
-                        <a:effectLst/>
-                        <a:latin typeface="Calibri" panose="020F0502020204030204" pitchFamily="34" charset="0"/>
-                      </a:endParaRPr>
                     </a:p>
                   </a:txBody>
                   <a:tcPr marL="9525" marR="9525" marT="9525" marB="0" anchor="b">
@@ -29526,20 +29524,17 @@
                     <a:bodyPr/>
                     <a:lstStyle/>
                     <a:p>
-                      <a:pPr algn="ctr" fontAlgn="b"/>
+                      <a:pPr algn="ctr" rtl="0" fontAlgn="b"/>
                       <a:r>
-                        <a:rPr lang="en-PT" sz="1200" u="none" strike="noStrike" dirty="0">
+                        <a:rPr lang="en-GB" sz="1200" b="0" i="0" u="none" strike="noStrike">
+                          <a:solidFill>
+                            <a:srgbClr val="000000"/>
+                          </a:solidFill>
                           <a:effectLst/>
+                          <a:latin typeface="Calibri" panose="020F0502020204030204" pitchFamily="34" charset="0"/>
                         </a:rPr>
-                        <a:t>0.005150</a:t>
+                        <a:t>5,2E-03</a:t>
                       </a:r>
-                      <a:endParaRPr lang="en-PT" sz="1200" b="0" i="0" u="none" strike="noStrike" dirty="0">
-                        <a:solidFill>
-                          <a:srgbClr val="000000"/>
-                        </a:solidFill>
-                        <a:effectLst/>
-                        <a:latin typeface="Calibri" panose="020F0502020204030204" pitchFamily="34" charset="0"/>
-                      </a:endParaRPr>
                     </a:p>
                   </a:txBody>
                   <a:tcPr marL="9525" marR="9525" marT="9525" marB="0" anchor="b">
@@ -29556,20 +29551,17 @@
                     <a:bodyPr/>
                     <a:lstStyle/>
                     <a:p>
-                      <a:pPr algn="ctr" fontAlgn="b"/>
+                      <a:pPr algn="ctr" rtl="0" fontAlgn="b"/>
                       <a:r>
-                        <a:rPr lang="en-PT" sz="1200" u="none" strike="noStrike" dirty="0">
+                        <a:rPr lang="en-GB" sz="1200" b="0" i="0" u="none" strike="noStrike">
+                          <a:solidFill>
+                            <a:srgbClr val="000000"/>
+                          </a:solidFill>
                           <a:effectLst/>
+                          <a:latin typeface="Calibri" panose="020F0502020204030204" pitchFamily="34" charset="0"/>
                         </a:rPr>
-                        <a:t>549.92062</a:t>
+                        <a:t>5,5E+02</a:t>
                       </a:r>
-                      <a:endParaRPr lang="en-PT" sz="1200" b="0" i="0" u="none" strike="noStrike" dirty="0">
-                        <a:solidFill>
-                          <a:srgbClr val="000000"/>
-                        </a:solidFill>
-                        <a:effectLst/>
-                        <a:latin typeface="Calibri" panose="020F0502020204030204" pitchFamily="34" charset="0"/>
-                      </a:endParaRPr>
                     </a:p>
                   </a:txBody>
                   <a:tcPr marL="9525" marR="9525" marT="9525" marB="0" anchor="b">
@@ -29586,20 +29578,17 @@
                     <a:bodyPr/>
                     <a:lstStyle/>
                     <a:p>
-                      <a:pPr algn="ctr" fontAlgn="b"/>
+                      <a:pPr algn="ctr" rtl="0" fontAlgn="b"/>
                       <a:r>
-                        <a:rPr lang="en-PT" sz="1200" u="none" strike="noStrike" dirty="0">
+                        <a:rPr lang="en-GB" sz="1200" b="0" i="0" u="none" strike="noStrike">
+                          <a:solidFill>
+                            <a:srgbClr val="000000"/>
+                          </a:solidFill>
                           <a:effectLst/>
+                          <a:latin typeface="Calibri" panose="020F0502020204030204" pitchFamily="34" charset="0"/>
                         </a:rPr>
-                        <a:t>0.266825</a:t>
+                        <a:t>2,7E-01</a:t>
                       </a:r>
-                      <a:endParaRPr lang="en-PT" sz="1200" b="0" i="0" u="none" strike="noStrike" dirty="0">
-                        <a:solidFill>
-                          <a:srgbClr val="000000"/>
-                        </a:solidFill>
-                        <a:effectLst/>
-                        <a:latin typeface="Calibri" panose="020F0502020204030204" pitchFamily="34" charset="0"/>
-                      </a:endParaRPr>
                     </a:p>
                   </a:txBody>
                   <a:tcPr marL="9525" marR="9525" marT="9525" marB="0" anchor="b">
@@ -29616,20 +29605,17 @@
                     <a:bodyPr/>
                     <a:lstStyle/>
                     <a:p>
-                      <a:pPr algn="ctr" fontAlgn="b"/>
+                      <a:pPr algn="ctr" rtl="0" fontAlgn="b"/>
                       <a:r>
-                        <a:rPr lang="en-PT" sz="1200" u="none" strike="noStrike" dirty="0">
+                        <a:rPr lang="en-GB" sz="1200" b="0" i="0" u="none" strike="noStrike">
+                          <a:solidFill>
+                            <a:srgbClr val="000000"/>
+                          </a:solidFill>
                           <a:effectLst/>
+                          <a:latin typeface="Calibri" panose="020F0502020204030204" pitchFamily="34" charset="0"/>
                         </a:rPr>
-                        <a:t>92.153325</a:t>
+                        <a:t>9,2E+01</a:t>
                       </a:r>
-                      <a:endParaRPr lang="en-PT" sz="1200" b="0" i="0" u="none" strike="noStrike" dirty="0">
-                        <a:solidFill>
-                          <a:srgbClr val="000000"/>
-                        </a:solidFill>
-                        <a:effectLst/>
-                        <a:latin typeface="Calibri" panose="020F0502020204030204" pitchFamily="34" charset="0"/>
-                      </a:endParaRPr>
                     </a:p>
                   </a:txBody>
                   <a:tcPr marL="9525" marR="9525" marT="9525" marB="0" anchor="b">
@@ -29646,20 +29632,17 @@
                     <a:bodyPr/>
                     <a:lstStyle/>
                     <a:p>
-                      <a:pPr algn="ctr" fontAlgn="b"/>
+                      <a:pPr algn="ctr" rtl="0" fontAlgn="b"/>
                       <a:r>
-                        <a:rPr lang="en-PT" sz="1200" u="none" strike="noStrike" dirty="0">
+                        <a:rPr lang="en-GB" sz="1200" b="0" i="0" u="none" strike="noStrike" dirty="0">
+                          <a:solidFill>
+                            <a:srgbClr val="000000"/>
+                          </a:solidFill>
                           <a:effectLst/>
+                          <a:latin typeface="Calibri" panose="020F0502020204030204" pitchFamily="34" charset="0"/>
                         </a:rPr>
-                        <a:t>0.042750</a:t>
+                        <a:t>4,3E-02</a:t>
                       </a:r>
-                      <a:endParaRPr lang="en-PT" sz="1200" b="0" i="0" u="none" strike="noStrike" dirty="0">
-                        <a:solidFill>
-                          <a:srgbClr val="000000"/>
-                        </a:solidFill>
-                        <a:effectLst/>
-                        <a:latin typeface="Calibri" panose="020F0502020204030204" pitchFamily="34" charset="0"/>
-                      </a:endParaRPr>
                     </a:p>
                   </a:txBody>
                   <a:tcPr marL="9525" marR="9525" marT="9525" marB="0" anchor="b">
